--- a/Documentacion/ProyectoFinalSegundo.pptx
+++ b/Documentacion/ProyectoFinalSegundo.pptx
@@ -12,19 +12,21 @@
     <p:sldId id="257" r:id="rId5"/>
     <p:sldId id="260" r:id="rId6"/>
     <p:sldId id="258" r:id="rId7"/>
-    <p:sldId id="259" r:id="rId8"/>
-    <p:sldId id="261" r:id="rId9"/>
+    <p:sldId id="264" r:id="rId8"/>
+    <p:sldId id="259" r:id="rId9"/>
+    <p:sldId id="267" r:id="rId10"/>
+    <p:sldId id="268" r:id="rId11"/>
   </p:sldIdLst>
   <p:sldSz cx="9144000" cy="5143500"/>
   <p:notesSz cx="6858000" cy="9144000"/>
   <p:embeddedFontLst>
     <p:embeddedFont>
       <p:font typeface="Montserrat" panose="00000500000000000000"/>
-      <p:regular r:id="rId13"/>
+      <p:regular r:id="rId15"/>
     </p:embeddedFont>
     <p:embeddedFont>
       <p:font typeface="Lato" panose="020F0502020204030203"/>
-      <p:regular r:id="rId14"/>
+      <p:regular r:id="rId16"/>
     </p:embeddedFont>
   </p:embeddedFontLst>
   <p:defaultTextStyle>
@@ -9391,8 +9393,8 @@
         </p:blipFill>
         <p:spPr>
           <a:xfrm>
-            <a:off x="1321600" y="1069075"/>
-            <a:ext cx="1583550" cy="1683900"/>
+            <a:off x="1177290" y="1057275"/>
+            <a:ext cx="1295400" cy="1353820"/>
           </a:xfrm>
           <a:prstGeom prst="rect">
             <a:avLst/>
@@ -9417,8 +9419,8 @@
         </p:blipFill>
         <p:spPr>
           <a:xfrm>
-            <a:off x="4062638" y="987500"/>
-            <a:ext cx="1718275" cy="1683900"/>
+            <a:off x="3237865" y="953770"/>
+            <a:ext cx="1405255" cy="1353820"/>
           </a:xfrm>
           <a:prstGeom prst="rect">
             <a:avLst/>
@@ -9443,8 +9445,8 @@
         </p:blipFill>
         <p:spPr>
           <a:xfrm>
-            <a:off x="6938425" y="1043650"/>
-            <a:ext cx="1905000" cy="1571625"/>
+            <a:off x="5301615" y="953770"/>
+            <a:ext cx="1558290" cy="1263650"/>
           </a:xfrm>
           <a:prstGeom prst="rect">
             <a:avLst/>
@@ -9469,8 +9471,8 @@
         </p:blipFill>
         <p:spPr>
           <a:xfrm>
-            <a:off x="5479338" y="2944338"/>
-            <a:ext cx="1714500" cy="1714500"/>
+            <a:off x="7406005" y="953770"/>
+            <a:ext cx="1402715" cy="1378585"/>
           </a:xfrm>
           <a:prstGeom prst="rect">
             <a:avLst/>
@@ -9496,8 +9498,8 @@
         </p:blipFill>
         <p:spPr>
           <a:xfrm>
-            <a:off x="2548175" y="3107500"/>
-            <a:ext cx="1514475" cy="1683900"/>
+            <a:off x="7249795" y="3091815"/>
+            <a:ext cx="1238885" cy="1353820"/>
           </a:xfrm>
           <a:prstGeom prst="rect">
             <a:avLst/>
@@ -9506,6 +9508,71 @@
           <a:ln>
             <a:noFill/>
           </a:ln>
+        </p:spPr>
+      </p:pic>
+      <p:pic>
+        <p:nvPicPr>
+          <p:cNvPr id="8" name="Google Shape;150;p15"/>
+          <p:cNvPicPr preferRelativeResize="0"/>
+          <p:nvPr/>
+        </p:nvPicPr>
+        <p:blipFill>
+          <a:blip r:embed="rId6"/>
+          <a:srcRect l="24062" t="6311" r="22250" b="6311"/>
+          <a:stretch>
+            <a:fillRect/>
+          </a:stretch>
+        </p:blipFill>
+        <p:spPr>
+          <a:xfrm>
+            <a:off x="1496060" y="2599690"/>
+            <a:ext cx="1360170" cy="1951990"/>
+          </a:xfrm>
+          <a:prstGeom prst="rect">
+            <a:avLst/>
+          </a:prstGeom>
+          <a:noFill/>
+          <a:ln>
+            <a:noFill/>
+          </a:ln>
+        </p:spPr>
+      </p:pic>
+      <p:pic>
+        <p:nvPicPr>
+          <p:cNvPr id="2" name="Imagen 1"/>
+          <p:cNvPicPr>
+            <a:picLocks noChangeAspect="1"/>
+          </p:cNvPicPr>
+          <p:nvPr/>
+        </p:nvPicPr>
+        <p:blipFill>
+          <a:blip r:embed="rId7">
+            <a:clrChange>
+              <a:clrFrom>
+                <a:srgbClr val="000000">
+                  <a:alpha val="100000"/>
+                </a:srgbClr>
+              </a:clrFrom>
+              <a:clrTo>
+                <a:srgbClr val="000000">
+                  <a:alpha val="100000"/>
+                  <a:alpha val="0"/>
+                </a:srgbClr>
+              </a:clrTo>
+            </a:clrChange>
+          </a:blip>
+          <a:stretch>
+            <a:fillRect/>
+          </a:stretch>
+        </p:blipFill>
+        <p:spPr>
+          <a:xfrm>
+            <a:off x="4140200" y="3373755"/>
+            <a:ext cx="1512570" cy="1071880"/>
+          </a:xfrm>
+          <a:prstGeom prst="rect">
+            <a:avLst/>
+          </a:prstGeom>
         </p:spPr>
       </p:pic>
     </p:spTree>
@@ -9979,6 +10046,94 @@
                             </p:childTnLst>
                           </p:cTn>
                         </p:par>
+                        <p:par>
+                          <p:cTn id="32" fill="hold">
+                            <p:stCondLst>
+                              <p:cond delay="7000"/>
+                            </p:stCondLst>
+                            <p:childTnLst>
+                              <p:par>
+                                <p:cTn id="33" presetID="3" presetClass="entr" presetSubtype="5" fill="hold" nodeType="afterEffect">
+                                  <p:stCondLst>
+                                    <p:cond delay="0"/>
+                                  </p:stCondLst>
+                                  <p:childTnLst>
+                                    <p:set>
+                                      <p:cBhvr>
+                                        <p:cTn id="34" dur="1" fill="hold">
+                                          <p:stCondLst>
+                                            <p:cond delay="0"/>
+                                          </p:stCondLst>
+                                        </p:cTn>
+                                        <p:tgtEl>
+                                          <p:spTgt spid="8"/>
+                                        </p:tgtEl>
+                                        <p:attrNameLst>
+                                          <p:attrName>style.visibility</p:attrName>
+                                        </p:attrNameLst>
+                                      </p:cBhvr>
+                                      <p:to>
+                                        <p:strVal val="visible"/>
+                                      </p:to>
+                                    </p:set>
+                                    <p:animEffect transition="in" filter="blinds(vertical)">
+                                      <p:cBhvr>
+                                        <p:cTn id="35" dur="1000"/>
+                                        <p:tgtEl>
+                                          <p:spTgt spid="8"/>
+                                        </p:tgtEl>
+                                      </p:cBhvr>
+                                    </p:animEffect>
+                                  </p:childTnLst>
+                                </p:cTn>
+                              </p:par>
+                            </p:childTnLst>
+                          </p:cTn>
+                        </p:par>
+                        <p:par>
+                          <p:cTn id="36" fill="hold">
+                            <p:stCondLst>
+                              <p:cond delay="8000"/>
+                            </p:stCondLst>
+                            <p:childTnLst>
+                              <p:par>
+                                <p:cTn id="37" presetID="3" presetClass="entr" presetSubtype="5" fill="hold" nodeType="afterEffect">
+                                  <p:stCondLst>
+                                    <p:cond delay="0"/>
+                                  </p:stCondLst>
+                                  <p:childTnLst>
+                                    <p:set>
+                                      <p:cBhvr>
+                                        <p:cTn id="38" dur="1" fill="hold">
+                                          <p:stCondLst>
+                                            <p:cond delay="0"/>
+                                          </p:stCondLst>
+                                        </p:cTn>
+                                        <p:tgtEl>
+                                          <p:spTgt spid="2"/>
+                                        </p:tgtEl>
+                                        <p:attrNameLst>
+                                          <p:attrName>style.visibility</p:attrName>
+                                        </p:attrNameLst>
+                                      </p:cBhvr>
+                                      <p:to>
+                                        <p:strVal val="visible"/>
+                                      </p:to>
+                                    </p:set>
+                                    <p:animEffect transition="in" filter="blinds(vertical)">
+                                      <p:cBhvr>
+                                        <p:cTn id="39" dur="1000"/>
+                                        <p:tgtEl>
+                                          <p:spTgt spid="2"/>
+                                        </p:tgtEl>
+                                      </p:cBhvr>
+                                    </p:animEffect>
+                                  </p:childTnLst>
+                                </p:cTn>
+                              </p:par>
+                            </p:childTnLst>
+                          </p:cTn>
+                        </p:par>
                       </p:childTnLst>
                     </p:cTn>
                   </p:par>
@@ -10037,8 +10192,8 @@
         </p:blipFill>
         <p:spPr>
           <a:xfrm>
-            <a:off x="2968625" y="160020"/>
-            <a:ext cx="3910965" cy="4822825"/>
+            <a:off x="4578985" y="34290"/>
+            <a:ext cx="4307205" cy="5075555"/>
           </a:xfrm>
           <a:prstGeom prst="rect">
             <a:avLst/>
@@ -10049,6 +10204,45 @@
           </a:ln>
         </p:spPr>
       </p:pic>
+      <p:sp>
+        <p:nvSpPr>
+          <p:cNvPr id="134" name="Google Shape;134;p13"/>
+          <p:cNvSpPr txBox="1"/>
+          <p:nvPr>
+            <p:ph type="ctrTitle"/>
+          </p:nvPr>
+        </p:nvSpPr>
+        <p:spPr>
+          <a:xfrm>
+            <a:off x="1012190" y="1733550"/>
+            <a:ext cx="3121660" cy="1351280"/>
+          </a:xfrm>
+          <a:prstGeom prst="rect">
+            <a:avLst/>
+          </a:prstGeom>
+        </p:spPr>
+        <p:txBody>
+          <a:bodyPr spcFirstLastPara="1" wrap="square" lIns="91425" tIns="91425" rIns="91425" bIns="91425" anchor="t" anchorCtr="0">
+            <a:noAutofit/>
+          </a:bodyPr>
+          <a:p>
+            <a:pPr marL="0" lvl="0" indent="0" algn="l" rtl="0">
+              <a:spcBef>
+                <a:spcPts val="0"/>
+              </a:spcBef>
+              <a:spcAft>
+                <a:spcPts val="0"/>
+              </a:spcAft>
+              <a:buNone/>
+            </a:pPr>
+            <a:r>
+              <a:rPr lang="es-EC" altLang="en-US" sz="3200"/>
+              <a:t>Arquitectura de la Aplicación</a:t>
+            </a:r>
+            <a:endParaRPr lang="es-EC" altLang="en-US" sz="3200"/>
+          </a:p>
+        </p:txBody>
+      </p:sp>
     </p:spTree>
   </p:cSld>
   <p:clrMapOvr>
@@ -10066,6 +10260,183 @@
       </p:transition>
     </mc:Fallback>
   </mc:AlternateContent>
+  <p:timing>
+    <p:tnLst>
+      <p:par>
+        <p:cTn id="1" dur="indefinite" restart="never" nodeType="tmRoot">
+          <p:childTnLst>
+            <p:seq concurrent="1" nextAc="seek">
+              <p:cTn id="2" dur="indefinite" nodeType="mainSeq">
+                <p:childTnLst>
+                  <p:par>
+                    <p:cTn id="3" fill="hold">
+                      <p:stCondLst>
+                        <p:cond delay="indefinite"/>
+                        <p:cond evt="onBegin" delay="0">
+                          <p:tn val="2"/>
+                        </p:cond>
+                      </p:stCondLst>
+                      <p:childTnLst>
+                        <p:par>
+                          <p:cTn id="4" fill="hold">
+                            <p:stCondLst>
+                              <p:cond delay="0"/>
+                            </p:stCondLst>
+                            <p:childTnLst>
+                              <p:par>
+                                <p:cTn id="5" presetID="10" presetClass="entr" presetSubtype="0" fill="hold" nodeType="afterEffect">
+                                  <p:stCondLst>
+                                    <p:cond delay="0"/>
+                                  </p:stCondLst>
+                                  <p:childTnLst>
+                                    <p:set>
+                                      <p:cBhvr>
+                                        <p:cTn id="6" dur="1" fill="hold">
+                                          <p:stCondLst>
+                                            <p:cond delay="0"/>
+                                          </p:stCondLst>
+                                        </p:cTn>
+                                        <p:tgtEl>
+                                          <p:spTgt spid="134"/>
+                                        </p:tgtEl>
+                                        <p:attrNameLst>
+                                          <p:attrName>style.visibility</p:attrName>
+                                        </p:attrNameLst>
+                                      </p:cBhvr>
+                                      <p:to>
+                                        <p:strVal val="visible"/>
+                                      </p:to>
+                                    </p:set>
+                                    <p:animEffect transition="in" filter="fade">
+                                      <p:cBhvr>
+                                        <p:cTn id="7" dur="1000"/>
+                                        <p:tgtEl>
+                                          <p:spTgt spid="134"/>
+                                        </p:tgtEl>
+                                      </p:cBhvr>
+                                    </p:animEffect>
+                                  </p:childTnLst>
+                                </p:cTn>
+                              </p:par>
+                            </p:childTnLst>
+                          </p:cTn>
+                        </p:par>
+                        <p:par>
+                          <p:cTn id="8" fill="hold">
+                            <p:stCondLst>
+                              <p:cond delay="1000"/>
+                            </p:stCondLst>
+                            <p:childTnLst>
+                              <p:par>
+                                <p:cTn id="9" presetID="5" presetClass="entr" presetSubtype="10" fill="hold" grpId="0" nodeType="afterEffect">
+                                  <p:stCondLst>
+                                    <p:cond delay="0"/>
+                                  </p:stCondLst>
+                                  <p:childTnLst>
+                                    <p:set>
+                                      <p:cBhvr>
+                                        <p:cTn id="10" dur="1" fill="hold">
+                                          <p:stCondLst>
+                                            <p:cond delay="0"/>
+                                          </p:stCondLst>
+                                        </p:cTn>
+                                        <p:tgtEl>
+                                          <p:spTgt spid="134"/>
+                                        </p:tgtEl>
+                                        <p:attrNameLst>
+                                          <p:attrName>style.visibility</p:attrName>
+                                        </p:attrNameLst>
+                                      </p:cBhvr>
+                                      <p:to>
+                                        <p:strVal val="visible"/>
+                                      </p:to>
+                                    </p:set>
+                                    <p:animEffect transition="in" filter="checkerboard(across)">
+                                      <p:cBhvr>
+                                        <p:cTn id="11" dur="500"/>
+                                        <p:tgtEl>
+                                          <p:spTgt spid="134"/>
+                                        </p:tgtEl>
+                                      </p:cBhvr>
+                                    </p:animEffect>
+                                  </p:childTnLst>
+                                </p:cTn>
+                              </p:par>
+                            </p:childTnLst>
+                          </p:cTn>
+                        </p:par>
+                        <p:par>
+                          <p:cTn id="12" fill="hold">
+                            <p:stCondLst>
+                              <p:cond delay="1500"/>
+                            </p:stCondLst>
+                            <p:childTnLst>
+                              <p:par>
+                                <p:cTn id="13" presetID="22" presetClass="entr" presetSubtype="4" fill="hold" nodeType="afterEffect">
+                                  <p:stCondLst>
+                                    <p:cond delay="0"/>
+                                  </p:stCondLst>
+                                  <p:childTnLst>
+                                    <p:set>
+                                      <p:cBhvr>
+                                        <p:cTn id="14" dur="1" fill="hold">
+                                          <p:stCondLst>
+                                            <p:cond delay="0"/>
+                                          </p:stCondLst>
+                                        </p:cTn>
+                                        <p:tgtEl>
+                                          <p:spTgt spid="14"/>
+                                        </p:tgtEl>
+                                        <p:attrNameLst>
+                                          <p:attrName>style.visibility</p:attrName>
+                                        </p:attrNameLst>
+                                      </p:cBhvr>
+                                      <p:to>
+                                        <p:strVal val="visible"/>
+                                      </p:to>
+                                    </p:set>
+                                    <p:animEffect transition="in" filter="wipe(down)">
+                                      <p:cBhvr>
+                                        <p:cTn id="15" dur="500"/>
+                                        <p:tgtEl>
+                                          <p:spTgt spid="14"/>
+                                        </p:tgtEl>
+                                      </p:cBhvr>
+                                    </p:animEffect>
+                                  </p:childTnLst>
+                                </p:cTn>
+                              </p:par>
+                            </p:childTnLst>
+                          </p:cTn>
+                        </p:par>
+                      </p:childTnLst>
+                    </p:cTn>
+                  </p:par>
+                </p:childTnLst>
+              </p:cTn>
+              <p:prevCondLst>
+                <p:cond evt="onPrev">
+                  <p:tgtEl>
+                    <p:sldTgt/>
+                  </p:tgtEl>
+                </p:cond>
+              </p:prevCondLst>
+              <p:nextCondLst>
+                <p:cond evt="onNext">
+                  <p:tgtEl>
+                    <p:sldTgt/>
+                  </p:tgtEl>
+                </p:cond>
+              </p:nextCondLst>
+            </p:seq>
+          </p:childTnLst>
+        </p:cTn>
+      </p:par>
+    </p:tnLst>
+    <p:bldLst>
+      <p:bldP spid="134" grpId="0"/>
+    </p:bldLst>
+  </p:timing>
 </p:sld>
 </file>
 
@@ -10086,78 +10457,315 @@
           <a:chExt cx="0" cy="0"/>
         </a:xfrm>
       </p:grpSpPr>
-      <p:sp>
-        <p:nvSpPr>
-          <p:cNvPr id="150" name="Google Shape;150;p15"/>
-          <p:cNvSpPr txBox="1"/>
-          <p:nvPr>
-            <p:ph type="title"/>
-          </p:nvPr>
-        </p:nvSpPr>
+      <p:pic>
+        <p:nvPicPr>
+          <p:cNvPr id="8" name="Imagen 7"/>
+          <p:cNvPicPr>
+            <a:picLocks noChangeAspect="1"/>
+          </p:cNvPicPr>
+          <p:nvPr/>
+        </p:nvPicPr>
+        <p:blipFill>
+          <a:blip r:embed="rId1"/>
+          <a:stretch>
+            <a:fillRect/>
+          </a:stretch>
+        </p:blipFill>
         <p:spPr>
           <a:xfrm>
-            <a:off x="1297500" y="393750"/>
-            <a:ext cx="7038900" cy="914100"/>
+            <a:off x="1646555" y="1090295"/>
+            <a:ext cx="5870575" cy="3166110"/>
           </a:xfrm>
           <a:prstGeom prst="rect">
             <a:avLst/>
           </a:prstGeom>
         </p:spPr>
-        <p:txBody>
-          <a:bodyPr spcFirstLastPara="1" wrap="square" lIns="91425" tIns="91425" rIns="91425" bIns="91425" anchor="t" anchorCtr="0">
-            <a:noAutofit/>
-          </a:bodyPr>
-          <a:lstStyle/>
-          <a:p>
-            <a:pPr marL="0" lvl="0" indent="0" algn="l" rtl="0">
-              <a:spcBef>
-                <a:spcPts val="0"/>
-              </a:spcBef>
-              <a:spcAft>
-                <a:spcPts val="0"/>
-              </a:spcAft>
-              <a:buNone/>
-            </a:pPr>
-            <a:r>
-              <a:rPr lang="es-EC"/>
-              <a:t>API REST Y FIREBASE</a:t>
-            </a:r>
-            <a:endParaRPr lang="es-EC"/>
-          </a:p>
-        </p:txBody>
-      </p:sp>
+      </p:pic>
       <p:sp>
         <p:nvSpPr>
-          <p:cNvPr id="151" name="Google Shape;151;p15"/>
+          <p:cNvPr id="11" name="Google Shape;150;p15"/>
           <p:cNvSpPr txBox="1"/>
-          <p:nvPr>
-            <p:ph type="body" idx="1"/>
-          </p:nvPr>
+          <p:nvPr/>
         </p:nvSpPr>
         <p:spPr>
           <a:xfrm>
-            <a:off x="1059350" y="1508025"/>
-            <a:ext cx="7277100" cy="2911200"/>
+            <a:off x="3790950" y="261620"/>
+            <a:ext cx="1882775" cy="530225"/>
           </a:xfrm>
           <a:prstGeom prst="rect">
             <a:avLst/>
           </a:prstGeom>
+          <a:noFill/>
+          <a:ln>
+            <a:noFill/>
+          </a:ln>
         </p:spPr>
         <p:txBody>
-          <a:bodyPr spcFirstLastPara="1" wrap="square" lIns="91425" tIns="91425" rIns="91425" bIns="91425" anchor="t" anchorCtr="0">
+          <a:bodyPr wrap="square" lIns="91425" tIns="91425" rIns="91425" bIns="91425" anchor="t" anchorCtr="0">
             <a:noAutofit/>
           </a:bodyPr>
-          <a:lstStyle/>
+          <a:lstStyle>
+            <a:defPPr marR="0" lvl="0" algn="l" rtl="0">
+              <a:lnSpc>
+                <a:spcPct val="100000"/>
+              </a:lnSpc>
+              <a:spcBef>
+                <a:spcPts val="0"/>
+              </a:spcBef>
+              <a:spcAft>
+                <a:spcPts val="0"/>
+              </a:spcAft>
+            </a:defPPr>
+            <a:lvl1pPr marR="0" lvl="0" algn="l" rtl="0">
+              <a:lnSpc>
+                <a:spcPct val="100000"/>
+              </a:lnSpc>
+              <a:spcBef>
+                <a:spcPts val="0"/>
+              </a:spcBef>
+              <a:spcAft>
+                <a:spcPts val="0"/>
+              </a:spcAft>
+              <a:buClr>
+                <a:schemeClr val="lt1"/>
+              </a:buClr>
+              <a:buSzPts val="2400"/>
+              <a:buFont typeface="Montserrat" panose="00000500000000000000"/>
+              <a:buNone/>
+              <a:defRPr sz="2400" b="0" i="0" u="none" strike="noStrike" cap="none">
+                <a:solidFill>
+                  <a:schemeClr val="lt1"/>
+                </a:solidFill>
+                <a:latin typeface="Montserrat" panose="00000500000000000000"/>
+                <a:ea typeface="Montserrat" panose="00000500000000000000"/>
+                <a:cs typeface="Montserrat" panose="00000500000000000000"/>
+                <a:sym typeface="Montserrat" panose="00000500000000000000"/>
+              </a:defRPr>
+            </a:lvl1pPr>
+            <a:lvl2pPr marR="0" lvl="1" algn="l" rtl="0">
+              <a:lnSpc>
+                <a:spcPct val="100000"/>
+              </a:lnSpc>
+              <a:spcBef>
+                <a:spcPts val="0"/>
+              </a:spcBef>
+              <a:spcAft>
+                <a:spcPts val="0"/>
+              </a:spcAft>
+              <a:buClr>
+                <a:schemeClr val="lt1"/>
+              </a:buClr>
+              <a:buSzPts val="2400"/>
+              <a:buFont typeface="Montserrat" panose="00000500000000000000"/>
+              <a:buNone/>
+              <a:defRPr sz="2400" b="0" i="0" u="none" strike="noStrike" cap="none">
+                <a:solidFill>
+                  <a:schemeClr val="lt1"/>
+                </a:solidFill>
+                <a:latin typeface="Montserrat" panose="00000500000000000000"/>
+                <a:ea typeface="Montserrat" panose="00000500000000000000"/>
+                <a:cs typeface="Montserrat" panose="00000500000000000000"/>
+                <a:sym typeface="Montserrat" panose="00000500000000000000"/>
+              </a:defRPr>
+            </a:lvl2pPr>
+            <a:lvl3pPr marR="0" lvl="2" algn="l" rtl="0">
+              <a:lnSpc>
+                <a:spcPct val="100000"/>
+              </a:lnSpc>
+              <a:spcBef>
+                <a:spcPts val="0"/>
+              </a:spcBef>
+              <a:spcAft>
+                <a:spcPts val="0"/>
+              </a:spcAft>
+              <a:buClr>
+                <a:schemeClr val="lt1"/>
+              </a:buClr>
+              <a:buSzPts val="2400"/>
+              <a:buFont typeface="Montserrat" panose="00000500000000000000"/>
+              <a:buNone/>
+              <a:defRPr sz="2400" b="0" i="0" u="none" strike="noStrike" cap="none">
+                <a:solidFill>
+                  <a:schemeClr val="lt1"/>
+                </a:solidFill>
+                <a:latin typeface="Montserrat" panose="00000500000000000000"/>
+                <a:ea typeface="Montserrat" panose="00000500000000000000"/>
+                <a:cs typeface="Montserrat" panose="00000500000000000000"/>
+                <a:sym typeface="Montserrat" panose="00000500000000000000"/>
+              </a:defRPr>
+            </a:lvl3pPr>
+            <a:lvl4pPr marR="0" lvl="3" algn="l" rtl="0">
+              <a:lnSpc>
+                <a:spcPct val="100000"/>
+              </a:lnSpc>
+              <a:spcBef>
+                <a:spcPts val="0"/>
+              </a:spcBef>
+              <a:spcAft>
+                <a:spcPts val="0"/>
+              </a:spcAft>
+              <a:buClr>
+                <a:schemeClr val="lt1"/>
+              </a:buClr>
+              <a:buSzPts val="2400"/>
+              <a:buFont typeface="Montserrat" panose="00000500000000000000"/>
+              <a:buNone/>
+              <a:defRPr sz="2400" b="0" i="0" u="none" strike="noStrike" cap="none">
+                <a:solidFill>
+                  <a:schemeClr val="lt1"/>
+                </a:solidFill>
+                <a:latin typeface="Montserrat" panose="00000500000000000000"/>
+                <a:ea typeface="Montserrat" panose="00000500000000000000"/>
+                <a:cs typeface="Montserrat" panose="00000500000000000000"/>
+                <a:sym typeface="Montserrat" panose="00000500000000000000"/>
+              </a:defRPr>
+            </a:lvl4pPr>
+            <a:lvl5pPr marR="0" lvl="4" algn="l" rtl="0">
+              <a:lnSpc>
+                <a:spcPct val="100000"/>
+              </a:lnSpc>
+              <a:spcBef>
+                <a:spcPts val="0"/>
+              </a:spcBef>
+              <a:spcAft>
+                <a:spcPts val="0"/>
+              </a:spcAft>
+              <a:buClr>
+                <a:schemeClr val="lt1"/>
+              </a:buClr>
+              <a:buSzPts val="2400"/>
+              <a:buFont typeface="Montserrat" panose="00000500000000000000"/>
+              <a:buNone/>
+              <a:defRPr sz="2400" b="0" i="0" u="none" strike="noStrike" cap="none">
+                <a:solidFill>
+                  <a:schemeClr val="lt1"/>
+                </a:solidFill>
+                <a:latin typeface="Montserrat" panose="00000500000000000000"/>
+                <a:ea typeface="Montserrat" panose="00000500000000000000"/>
+                <a:cs typeface="Montserrat" panose="00000500000000000000"/>
+                <a:sym typeface="Montserrat" panose="00000500000000000000"/>
+              </a:defRPr>
+            </a:lvl5pPr>
+            <a:lvl6pPr marR="0" lvl="5" algn="l" rtl="0">
+              <a:lnSpc>
+                <a:spcPct val="100000"/>
+              </a:lnSpc>
+              <a:spcBef>
+                <a:spcPts val="0"/>
+              </a:spcBef>
+              <a:spcAft>
+                <a:spcPts val="0"/>
+              </a:spcAft>
+              <a:buClr>
+                <a:schemeClr val="lt1"/>
+              </a:buClr>
+              <a:buSzPts val="2400"/>
+              <a:buFont typeface="Montserrat" panose="00000500000000000000"/>
+              <a:buNone/>
+              <a:defRPr sz="2400" b="0" i="0" u="none" strike="noStrike" cap="none">
+                <a:solidFill>
+                  <a:schemeClr val="lt1"/>
+                </a:solidFill>
+                <a:latin typeface="Montserrat" panose="00000500000000000000"/>
+                <a:ea typeface="Montserrat" panose="00000500000000000000"/>
+                <a:cs typeface="Montserrat" panose="00000500000000000000"/>
+                <a:sym typeface="Montserrat" panose="00000500000000000000"/>
+              </a:defRPr>
+            </a:lvl6pPr>
+            <a:lvl7pPr marR="0" lvl="6" algn="l" rtl="0">
+              <a:lnSpc>
+                <a:spcPct val="100000"/>
+              </a:lnSpc>
+              <a:spcBef>
+                <a:spcPts val="0"/>
+              </a:spcBef>
+              <a:spcAft>
+                <a:spcPts val="0"/>
+              </a:spcAft>
+              <a:buClr>
+                <a:schemeClr val="lt1"/>
+              </a:buClr>
+              <a:buSzPts val="2400"/>
+              <a:buFont typeface="Montserrat" panose="00000500000000000000"/>
+              <a:buNone/>
+              <a:defRPr sz="2400" b="0" i="0" u="none" strike="noStrike" cap="none">
+                <a:solidFill>
+                  <a:schemeClr val="lt1"/>
+                </a:solidFill>
+                <a:latin typeface="Montserrat" panose="00000500000000000000"/>
+                <a:ea typeface="Montserrat" panose="00000500000000000000"/>
+                <a:cs typeface="Montserrat" panose="00000500000000000000"/>
+                <a:sym typeface="Montserrat" panose="00000500000000000000"/>
+              </a:defRPr>
+            </a:lvl7pPr>
+            <a:lvl8pPr marR="0" lvl="7" algn="l" rtl="0">
+              <a:lnSpc>
+                <a:spcPct val="100000"/>
+              </a:lnSpc>
+              <a:spcBef>
+                <a:spcPts val="0"/>
+              </a:spcBef>
+              <a:spcAft>
+                <a:spcPts val="0"/>
+              </a:spcAft>
+              <a:buClr>
+                <a:schemeClr val="lt1"/>
+              </a:buClr>
+              <a:buSzPts val="2400"/>
+              <a:buFont typeface="Montserrat" panose="00000500000000000000"/>
+              <a:buNone/>
+              <a:defRPr sz="2400" b="0" i="0" u="none" strike="noStrike" cap="none">
+                <a:solidFill>
+                  <a:schemeClr val="lt1"/>
+                </a:solidFill>
+                <a:latin typeface="Montserrat" panose="00000500000000000000"/>
+                <a:ea typeface="Montserrat" panose="00000500000000000000"/>
+                <a:cs typeface="Montserrat" panose="00000500000000000000"/>
+                <a:sym typeface="Montserrat" panose="00000500000000000000"/>
+              </a:defRPr>
+            </a:lvl8pPr>
+            <a:lvl9pPr marR="0" lvl="8" algn="l" rtl="0">
+              <a:lnSpc>
+                <a:spcPct val="100000"/>
+              </a:lnSpc>
+              <a:spcBef>
+                <a:spcPts val="0"/>
+              </a:spcBef>
+              <a:spcAft>
+                <a:spcPts val="0"/>
+              </a:spcAft>
+              <a:buClr>
+                <a:schemeClr val="lt1"/>
+              </a:buClr>
+              <a:buSzPts val="2400"/>
+              <a:buFont typeface="Montserrat" panose="00000500000000000000"/>
+              <a:buNone/>
+              <a:defRPr sz="2400" b="0" i="0" u="none" strike="noStrike" cap="none">
+                <a:solidFill>
+                  <a:schemeClr val="lt1"/>
+                </a:solidFill>
+                <a:latin typeface="Montserrat" panose="00000500000000000000"/>
+                <a:ea typeface="Montserrat" panose="00000500000000000000"/>
+                <a:cs typeface="Montserrat" panose="00000500000000000000"/>
+                <a:sym typeface="Montserrat" panose="00000500000000000000"/>
+              </a:defRPr>
+            </a:lvl9pPr>
+          </a:lstStyle>
           <a:p>
             <a:pPr marL="0" lvl="0" indent="0" algn="l" rtl="0">
               <a:spcBef>
-                <a:spcPts val="600"/>
-              </a:spcBef>
-              <a:spcAft>
-                <a:spcPts val="600"/>
+                <a:spcPts val="0"/>
+              </a:spcBef>
+              <a:spcAft>
+                <a:spcPts val="0"/>
               </a:spcAft>
               <a:buNone/>
             </a:pPr>
+            <a:r>
+              <a:rPr lang="es-EC"/>
+              <a:t>API REST</a:t>
+            </a:r>
+            <a:endParaRPr lang="es-EC"/>
           </a:p>
         </p:txBody>
       </p:sp>
@@ -10178,10 +10786,618 @@
       </p:transition>
     </mc:Fallback>
   </mc:AlternateContent>
+  <p:timing>
+    <p:tnLst>
+      <p:par>
+        <p:cTn id="1" dur="indefinite" restart="never" nodeType="tmRoot">
+          <p:childTnLst>
+            <p:seq concurrent="1" nextAc="seek">
+              <p:cTn id="2" dur="indefinite" nodeType="mainSeq">
+                <p:childTnLst>
+                  <p:par>
+                    <p:cTn id="3" fill="hold">
+                      <p:stCondLst>
+                        <p:cond delay="indefinite"/>
+                        <p:cond evt="onBegin" delay="0">
+                          <p:tn val="2"/>
+                        </p:cond>
+                      </p:stCondLst>
+                      <p:childTnLst>
+                        <p:par>
+                          <p:cTn id="4" fill="hold">
+                            <p:stCondLst>
+                              <p:cond delay="0"/>
+                            </p:stCondLst>
+                            <p:childTnLst>
+                              <p:par>
+                                <p:cTn id="5" presetID="6" presetClass="entr" presetSubtype="16" fill="hold" grpId="0" nodeType="afterEffect">
+                                  <p:stCondLst>
+                                    <p:cond delay="0"/>
+                                  </p:stCondLst>
+                                  <p:childTnLst>
+                                    <p:set>
+                                      <p:cBhvr>
+                                        <p:cTn id="6" dur="1" fill="hold">
+                                          <p:stCondLst>
+                                            <p:cond delay="0"/>
+                                          </p:stCondLst>
+                                        </p:cTn>
+                                        <p:tgtEl>
+                                          <p:spTgt spid="11"/>
+                                        </p:tgtEl>
+                                        <p:attrNameLst>
+                                          <p:attrName>style.visibility</p:attrName>
+                                        </p:attrNameLst>
+                                      </p:cBhvr>
+                                      <p:to>
+                                        <p:strVal val="visible"/>
+                                      </p:to>
+                                    </p:set>
+                                    <p:animEffect transition="in" filter="circle(in)">
+                                      <p:cBhvr>
+                                        <p:cTn id="7" dur="2000"/>
+                                        <p:tgtEl>
+                                          <p:spTgt spid="11"/>
+                                        </p:tgtEl>
+                                      </p:cBhvr>
+                                    </p:animEffect>
+                                  </p:childTnLst>
+                                </p:cTn>
+                              </p:par>
+                            </p:childTnLst>
+                          </p:cTn>
+                        </p:par>
+                        <p:par>
+                          <p:cTn id="8" fill="hold">
+                            <p:stCondLst>
+                              <p:cond delay="2000"/>
+                            </p:stCondLst>
+                            <p:childTnLst>
+                              <p:par>
+                                <p:cTn id="9" presetID="3" presetClass="entr" presetSubtype="10" fill="hold" nodeType="afterEffect">
+                                  <p:stCondLst>
+                                    <p:cond delay="0"/>
+                                  </p:stCondLst>
+                                  <p:childTnLst>
+                                    <p:set>
+                                      <p:cBhvr>
+                                        <p:cTn id="10" dur="1" fill="hold">
+                                          <p:stCondLst>
+                                            <p:cond delay="0"/>
+                                          </p:stCondLst>
+                                        </p:cTn>
+                                        <p:tgtEl>
+                                          <p:spTgt spid="8"/>
+                                        </p:tgtEl>
+                                        <p:attrNameLst>
+                                          <p:attrName>style.visibility</p:attrName>
+                                        </p:attrNameLst>
+                                      </p:cBhvr>
+                                      <p:to>
+                                        <p:strVal val="visible"/>
+                                      </p:to>
+                                    </p:set>
+                                    <p:animEffect transition="in" filter="blinds(horizontal)">
+                                      <p:cBhvr>
+                                        <p:cTn id="11" dur="500"/>
+                                        <p:tgtEl>
+                                          <p:spTgt spid="8"/>
+                                        </p:tgtEl>
+                                      </p:cBhvr>
+                                    </p:animEffect>
+                                  </p:childTnLst>
+                                </p:cTn>
+                              </p:par>
+                            </p:childTnLst>
+                          </p:cTn>
+                        </p:par>
+                      </p:childTnLst>
+                    </p:cTn>
+                  </p:par>
+                </p:childTnLst>
+              </p:cTn>
+              <p:prevCondLst>
+                <p:cond evt="onPrev" delay="0">
+                  <p:tgtEl>
+                    <p:sldTgt/>
+                  </p:tgtEl>
+                </p:cond>
+              </p:prevCondLst>
+              <p:nextCondLst>
+                <p:cond evt="onNext" delay="0">
+                  <p:tgtEl>
+                    <p:sldTgt/>
+                  </p:tgtEl>
+                </p:cond>
+              </p:nextCondLst>
+            </p:seq>
+          </p:childTnLst>
+        </p:cTn>
+      </p:par>
+    </p:tnLst>
+    <p:bldLst>
+      <p:bldP spid="11" grpId="0"/>
+    </p:bldLst>
+  </p:timing>
 </p:sld>
 </file>
 
 <file path=ppt/slides/slide5.xml><?xml version="1.0" encoding="utf-8"?>
+<p:sld xmlns:a="http://schemas.openxmlformats.org/drawingml/2006/main" xmlns:r="http://schemas.openxmlformats.org/officeDocument/2006/relationships" xmlns:p="http://schemas.openxmlformats.org/presentationml/2006/main">
+  <p:cSld>
+    <p:spTree>
+      <p:nvGrpSpPr>
+        <p:cNvPr id="1" name=""/>
+        <p:cNvGrpSpPr/>
+        <p:nvPr/>
+      </p:nvGrpSpPr>
+      <p:grpSpPr/>
+      <p:sp>
+        <p:nvSpPr>
+          <p:cNvPr id="5" name="Google Shape;150;p15"/>
+          <p:cNvSpPr txBox="1"/>
+          <p:nvPr/>
+        </p:nvSpPr>
+        <p:spPr>
+          <a:xfrm>
+            <a:off x="3576320" y="261620"/>
+            <a:ext cx="2183130" cy="530225"/>
+          </a:xfrm>
+          <a:prstGeom prst="rect">
+            <a:avLst/>
+          </a:prstGeom>
+          <a:noFill/>
+          <a:ln>
+            <a:noFill/>
+          </a:ln>
+        </p:spPr>
+        <p:txBody>
+          <a:bodyPr wrap="square" lIns="91425" tIns="91425" rIns="91425" bIns="91425" anchor="t" anchorCtr="0">
+            <a:noAutofit/>
+          </a:bodyPr>
+          <a:lstStyle>
+            <a:defPPr marR="0" lvl="0" algn="l" rtl="0">
+              <a:lnSpc>
+                <a:spcPct val="100000"/>
+              </a:lnSpc>
+              <a:spcBef>
+                <a:spcPts val="0"/>
+              </a:spcBef>
+              <a:spcAft>
+                <a:spcPts val="0"/>
+              </a:spcAft>
+            </a:defPPr>
+            <a:lvl1pPr marR="0" lvl="0" algn="l" rtl="0">
+              <a:lnSpc>
+                <a:spcPct val="100000"/>
+              </a:lnSpc>
+              <a:spcBef>
+                <a:spcPts val="0"/>
+              </a:spcBef>
+              <a:spcAft>
+                <a:spcPts val="0"/>
+              </a:spcAft>
+              <a:buClr>
+                <a:schemeClr val="lt1"/>
+              </a:buClr>
+              <a:buSzPts val="2400"/>
+              <a:buFont typeface="Montserrat" panose="00000500000000000000"/>
+              <a:buNone/>
+              <a:defRPr sz="2400" b="0" i="0" u="none" strike="noStrike" cap="none">
+                <a:solidFill>
+                  <a:schemeClr val="lt1"/>
+                </a:solidFill>
+                <a:latin typeface="Montserrat" panose="00000500000000000000"/>
+                <a:ea typeface="Montserrat" panose="00000500000000000000"/>
+                <a:cs typeface="Montserrat" panose="00000500000000000000"/>
+                <a:sym typeface="Montserrat" panose="00000500000000000000"/>
+              </a:defRPr>
+            </a:lvl1pPr>
+            <a:lvl2pPr marR="0" lvl="1" algn="l" rtl="0">
+              <a:lnSpc>
+                <a:spcPct val="100000"/>
+              </a:lnSpc>
+              <a:spcBef>
+                <a:spcPts val="0"/>
+              </a:spcBef>
+              <a:spcAft>
+                <a:spcPts val="0"/>
+              </a:spcAft>
+              <a:buClr>
+                <a:schemeClr val="lt1"/>
+              </a:buClr>
+              <a:buSzPts val="2400"/>
+              <a:buFont typeface="Montserrat" panose="00000500000000000000"/>
+              <a:buNone/>
+              <a:defRPr sz="2400" b="0" i="0" u="none" strike="noStrike" cap="none">
+                <a:solidFill>
+                  <a:schemeClr val="lt1"/>
+                </a:solidFill>
+                <a:latin typeface="Montserrat" panose="00000500000000000000"/>
+                <a:ea typeface="Montserrat" panose="00000500000000000000"/>
+                <a:cs typeface="Montserrat" panose="00000500000000000000"/>
+                <a:sym typeface="Montserrat" panose="00000500000000000000"/>
+              </a:defRPr>
+            </a:lvl2pPr>
+            <a:lvl3pPr marR="0" lvl="2" algn="l" rtl="0">
+              <a:lnSpc>
+                <a:spcPct val="100000"/>
+              </a:lnSpc>
+              <a:spcBef>
+                <a:spcPts val="0"/>
+              </a:spcBef>
+              <a:spcAft>
+                <a:spcPts val="0"/>
+              </a:spcAft>
+              <a:buClr>
+                <a:schemeClr val="lt1"/>
+              </a:buClr>
+              <a:buSzPts val="2400"/>
+              <a:buFont typeface="Montserrat" panose="00000500000000000000"/>
+              <a:buNone/>
+              <a:defRPr sz="2400" b="0" i="0" u="none" strike="noStrike" cap="none">
+                <a:solidFill>
+                  <a:schemeClr val="lt1"/>
+                </a:solidFill>
+                <a:latin typeface="Montserrat" panose="00000500000000000000"/>
+                <a:ea typeface="Montserrat" panose="00000500000000000000"/>
+                <a:cs typeface="Montserrat" panose="00000500000000000000"/>
+                <a:sym typeface="Montserrat" panose="00000500000000000000"/>
+              </a:defRPr>
+            </a:lvl3pPr>
+            <a:lvl4pPr marR="0" lvl="3" algn="l" rtl="0">
+              <a:lnSpc>
+                <a:spcPct val="100000"/>
+              </a:lnSpc>
+              <a:spcBef>
+                <a:spcPts val="0"/>
+              </a:spcBef>
+              <a:spcAft>
+                <a:spcPts val="0"/>
+              </a:spcAft>
+              <a:buClr>
+                <a:schemeClr val="lt1"/>
+              </a:buClr>
+              <a:buSzPts val="2400"/>
+              <a:buFont typeface="Montserrat" panose="00000500000000000000"/>
+              <a:buNone/>
+              <a:defRPr sz="2400" b="0" i="0" u="none" strike="noStrike" cap="none">
+                <a:solidFill>
+                  <a:schemeClr val="lt1"/>
+                </a:solidFill>
+                <a:latin typeface="Montserrat" panose="00000500000000000000"/>
+                <a:ea typeface="Montserrat" panose="00000500000000000000"/>
+                <a:cs typeface="Montserrat" panose="00000500000000000000"/>
+                <a:sym typeface="Montserrat" panose="00000500000000000000"/>
+              </a:defRPr>
+            </a:lvl4pPr>
+            <a:lvl5pPr marR="0" lvl="4" algn="l" rtl="0">
+              <a:lnSpc>
+                <a:spcPct val="100000"/>
+              </a:lnSpc>
+              <a:spcBef>
+                <a:spcPts val="0"/>
+              </a:spcBef>
+              <a:spcAft>
+                <a:spcPts val="0"/>
+              </a:spcAft>
+              <a:buClr>
+                <a:schemeClr val="lt1"/>
+              </a:buClr>
+              <a:buSzPts val="2400"/>
+              <a:buFont typeface="Montserrat" panose="00000500000000000000"/>
+              <a:buNone/>
+              <a:defRPr sz="2400" b="0" i="0" u="none" strike="noStrike" cap="none">
+                <a:solidFill>
+                  <a:schemeClr val="lt1"/>
+                </a:solidFill>
+                <a:latin typeface="Montserrat" panose="00000500000000000000"/>
+                <a:ea typeface="Montserrat" panose="00000500000000000000"/>
+                <a:cs typeface="Montserrat" panose="00000500000000000000"/>
+                <a:sym typeface="Montserrat" panose="00000500000000000000"/>
+              </a:defRPr>
+            </a:lvl5pPr>
+            <a:lvl6pPr marR="0" lvl="5" algn="l" rtl="0">
+              <a:lnSpc>
+                <a:spcPct val="100000"/>
+              </a:lnSpc>
+              <a:spcBef>
+                <a:spcPts val="0"/>
+              </a:spcBef>
+              <a:spcAft>
+                <a:spcPts val="0"/>
+              </a:spcAft>
+              <a:buClr>
+                <a:schemeClr val="lt1"/>
+              </a:buClr>
+              <a:buSzPts val="2400"/>
+              <a:buFont typeface="Montserrat" panose="00000500000000000000"/>
+              <a:buNone/>
+              <a:defRPr sz="2400" b="0" i="0" u="none" strike="noStrike" cap="none">
+                <a:solidFill>
+                  <a:schemeClr val="lt1"/>
+                </a:solidFill>
+                <a:latin typeface="Montserrat" panose="00000500000000000000"/>
+                <a:ea typeface="Montserrat" panose="00000500000000000000"/>
+                <a:cs typeface="Montserrat" panose="00000500000000000000"/>
+                <a:sym typeface="Montserrat" panose="00000500000000000000"/>
+              </a:defRPr>
+            </a:lvl6pPr>
+            <a:lvl7pPr marR="0" lvl="6" algn="l" rtl="0">
+              <a:lnSpc>
+                <a:spcPct val="100000"/>
+              </a:lnSpc>
+              <a:spcBef>
+                <a:spcPts val="0"/>
+              </a:spcBef>
+              <a:spcAft>
+                <a:spcPts val="0"/>
+              </a:spcAft>
+              <a:buClr>
+                <a:schemeClr val="lt1"/>
+              </a:buClr>
+              <a:buSzPts val="2400"/>
+              <a:buFont typeface="Montserrat" panose="00000500000000000000"/>
+              <a:buNone/>
+              <a:defRPr sz="2400" b="0" i="0" u="none" strike="noStrike" cap="none">
+                <a:solidFill>
+                  <a:schemeClr val="lt1"/>
+                </a:solidFill>
+                <a:latin typeface="Montserrat" panose="00000500000000000000"/>
+                <a:ea typeface="Montserrat" panose="00000500000000000000"/>
+                <a:cs typeface="Montserrat" panose="00000500000000000000"/>
+                <a:sym typeface="Montserrat" panose="00000500000000000000"/>
+              </a:defRPr>
+            </a:lvl7pPr>
+            <a:lvl8pPr marR="0" lvl="7" algn="l" rtl="0">
+              <a:lnSpc>
+                <a:spcPct val="100000"/>
+              </a:lnSpc>
+              <a:spcBef>
+                <a:spcPts val="0"/>
+              </a:spcBef>
+              <a:spcAft>
+                <a:spcPts val="0"/>
+              </a:spcAft>
+              <a:buClr>
+                <a:schemeClr val="lt1"/>
+              </a:buClr>
+              <a:buSzPts val="2400"/>
+              <a:buFont typeface="Montserrat" panose="00000500000000000000"/>
+              <a:buNone/>
+              <a:defRPr sz="2400" b="0" i="0" u="none" strike="noStrike" cap="none">
+                <a:solidFill>
+                  <a:schemeClr val="lt1"/>
+                </a:solidFill>
+                <a:latin typeface="Montserrat" panose="00000500000000000000"/>
+                <a:ea typeface="Montserrat" panose="00000500000000000000"/>
+                <a:cs typeface="Montserrat" panose="00000500000000000000"/>
+                <a:sym typeface="Montserrat" panose="00000500000000000000"/>
+              </a:defRPr>
+            </a:lvl8pPr>
+            <a:lvl9pPr marR="0" lvl="8" algn="l" rtl="0">
+              <a:lnSpc>
+                <a:spcPct val="100000"/>
+              </a:lnSpc>
+              <a:spcBef>
+                <a:spcPts val="0"/>
+              </a:spcBef>
+              <a:spcAft>
+                <a:spcPts val="0"/>
+              </a:spcAft>
+              <a:buClr>
+                <a:schemeClr val="lt1"/>
+              </a:buClr>
+              <a:buSzPts val="2400"/>
+              <a:buFont typeface="Montserrat" panose="00000500000000000000"/>
+              <a:buNone/>
+              <a:defRPr sz="2400" b="0" i="0" u="none" strike="noStrike" cap="none">
+                <a:solidFill>
+                  <a:schemeClr val="lt1"/>
+                </a:solidFill>
+                <a:latin typeface="Montserrat" panose="00000500000000000000"/>
+                <a:ea typeface="Montserrat" panose="00000500000000000000"/>
+                <a:cs typeface="Montserrat" panose="00000500000000000000"/>
+                <a:sym typeface="Montserrat" panose="00000500000000000000"/>
+              </a:defRPr>
+            </a:lvl9pPr>
+          </a:lstStyle>
+          <a:p>
+            <a:pPr marL="0" lvl="0" indent="0" algn="l" rtl="0">
+              <a:spcBef>
+                <a:spcPts val="0"/>
+              </a:spcBef>
+              <a:spcAft>
+                <a:spcPts val="0"/>
+              </a:spcAft>
+              <a:buNone/>
+            </a:pPr>
+            <a:r>
+              <a:rPr lang="es-EC"/>
+              <a:t>WebServices</a:t>
+            </a:r>
+            <a:endParaRPr lang="es-EC"/>
+          </a:p>
+        </p:txBody>
+      </p:sp>
+      <p:pic>
+        <p:nvPicPr>
+          <p:cNvPr id="9" name="Imagen 8"/>
+          <p:cNvPicPr>
+            <a:picLocks noChangeAspect="1"/>
+          </p:cNvPicPr>
+          <p:nvPr/>
+        </p:nvPicPr>
+        <p:blipFill>
+          <a:blip r:embed="rId1"/>
+          <a:stretch>
+            <a:fillRect/>
+          </a:stretch>
+        </p:blipFill>
+        <p:spPr>
+          <a:xfrm>
+            <a:off x="1160780" y="1100455"/>
+            <a:ext cx="7014210" cy="2942590"/>
+          </a:xfrm>
+          <a:prstGeom prst="rect">
+            <a:avLst/>
+          </a:prstGeom>
+        </p:spPr>
+      </p:pic>
+    </p:spTree>
+  </p:cSld>
+  <p:clrMapOvr>
+    <a:masterClrMapping/>
+  </p:clrMapOvr>
+  <mc:AlternateContent xmlns:mc="http://schemas.openxmlformats.org/markup-compatibility/2006">
+    <mc:Choice xmlns:p14="http://schemas.microsoft.com/office/powerpoint/2010/main" Requires="p14">
+      <p:transition spd="slow" p14:dur="1700">
+        <p14:flip dir="l"/>
+      </p:transition>
+    </mc:Choice>
+    <mc:Fallback>
+      <p:transition spd="slow">
+        <p:fade/>
+      </p:transition>
+    </mc:Fallback>
+  </mc:AlternateContent>
+  <p:timing>
+    <p:tnLst>
+      <p:par>
+        <p:cTn id="1" dur="indefinite" restart="never" nodeType="tmRoot">
+          <p:childTnLst>
+            <p:seq concurrent="1" nextAc="seek">
+              <p:cTn id="2" dur="indefinite" nodeType="mainSeq">
+                <p:childTnLst>
+                  <p:par>
+                    <p:cTn id="3" fill="hold">
+                      <p:stCondLst>
+                        <p:cond delay="indefinite"/>
+                        <p:cond evt="onBegin" delay="0">
+                          <p:tn val="2"/>
+                        </p:cond>
+                      </p:stCondLst>
+                      <p:childTnLst>
+                        <p:par>
+                          <p:cTn id="4" fill="hold">
+                            <p:stCondLst>
+                              <p:cond delay="0"/>
+                            </p:stCondLst>
+                            <p:childTnLst>
+                              <p:par>
+                                <p:cTn id="5" presetID="6" presetClass="entr" presetSubtype="16" fill="hold" grpId="0" nodeType="afterEffect">
+                                  <p:stCondLst>
+                                    <p:cond delay="0"/>
+                                  </p:stCondLst>
+                                  <p:childTnLst>
+                                    <p:set>
+                                      <p:cBhvr>
+                                        <p:cTn id="6" dur="1" fill="hold">
+                                          <p:stCondLst>
+                                            <p:cond delay="0"/>
+                                          </p:stCondLst>
+                                        </p:cTn>
+                                        <p:tgtEl>
+                                          <p:spTgt spid="5"/>
+                                        </p:tgtEl>
+                                        <p:attrNameLst>
+                                          <p:attrName>style.visibility</p:attrName>
+                                        </p:attrNameLst>
+                                      </p:cBhvr>
+                                      <p:to>
+                                        <p:strVal val="visible"/>
+                                      </p:to>
+                                    </p:set>
+                                    <p:animEffect transition="in" filter="circle(in)">
+                                      <p:cBhvr>
+                                        <p:cTn id="7" dur="2000"/>
+                                        <p:tgtEl>
+                                          <p:spTgt spid="5"/>
+                                        </p:tgtEl>
+                                      </p:cBhvr>
+                                    </p:animEffect>
+                                  </p:childTnLst>
+                                </p:cTn>
+                              </p:par>
+                            </p:childTnLst>
+                          </p:cTn>
+                        </p:par>
+                        <p:par>
+                          <p:cTn id="8" fill="hold">
+                            <p:stCondLst>
+                              <p:cond delay="2000"/>
+                            </p:stCondLst>
+                            <p:childTnLst>
+                              <p:par>
+                                <p:cTn id="9" presetID="5" presetClass="entr" presetSubtype="10" fill="hold" nodeType="afterEffect">
+                                  <p:stCondLst>
+                                    <p:cond delay="0"/>
+                                  </p:stCondLst>
+                                  <p:childTnLst>
+                                    <p:set>
+                                      <p:cBhvr>
+                                        <p:cTn id="10" dur="1" fill="hold">
+                                          <p:stCondLst>
+                                            <p:cond delay="0"/>
+                                          </p:stCondLst>
+                                        </p:cTn>
+                                        <p:tgtEl>
+                                          <p:spTgt spid="9"/>
+                                        </p:tgtEl>
+                                        <p:attrNameLst>
+                                          <p:attrName>style.visibility</p:attrName>
+                                        </p:attrNameLst>
+                                      </p:cBhvr>
+                                      <p:to>
+                                        <p:strVal val="visible"/>
+                                      </p:to>
+                                    </p:set>
+                                    <p:animEffect transition="in" filter="checkerboard(across)">
+                                      <p:cBhvr>
+                                        <p:cTn id="11" dur="500"/>
+                                        <p:tgtEl>
+                                          <p:spTgt spid="9"/>
+                                        </p:tgtEl>
+                                      </p:cBhvr>
+                                    </p:animEffect>
+                                  </p:childTnLst>
+                                </p:cTn>
+                              </p:par>
+                            </p:childTnLst>
+                          </p:cTn>
+                        </p:par>
+                      </p:childTnLst>
+                    </p:cTn>
+                  </p:par>
+                </p:childTnLst>
+              </p:cTn>
+              <p:prevCondLst>
+                <p:cond evt="onPrev" delay="0">
+                  <p:tgtEl>
+                    <p:sldTgt/>
+                  </p:tgtEl>
+                </p:cond>
+              </p:prevCondLst>
+              <p:nextCondLst>
+                <p:cond evt="onNext" delay="0">
+                  <p:tgtEl>
+                    <p:sldTgt/>
+                  </p:tgtEl>
+                </p:cond>
+              </p:nextCondLst>
+            </p:seq>
+          </p:childTnLst>
+        </p:cTn>
+      </p:par>
+    </p:tnLst>
+    <p:bldLst>
+      <p:bldP spid="5" grpId="0"/>
+    </p:bldLst>
+  </p:timing>
+</p:sld>
+</file>
+
+<file path=ppt/slides/slide6.xml><?xml version="1.0" encoding="utf-8"?>
 <p:sld xmlns:a="http://schemas.openxmlformats.org/drawingml/2006/main" xmlns:r="http://schemas.openxmlformats.org/officeDocument/2006/relationships" xmlns:p="http://schemas.openxmlformats.org/presentationml/2006/main">
   <p:cSld>
     <p:spTree>
@@ -10208,8 +11424,8 @@
         </p:nvSpPr>
         <p:spPr>
           <a:xfrm>
-            <a:off x="1297500" y="393750"/>
-            <a:ext cx="7038900" cy="914100"/>
+            <a:off x="2589530" y="129540"/>
+            <a:ext cx="4455160" cy="566420"/>
           </a:xfrm>
           <a:prstGeom prst="rect">
             <a:avLst/>
@@ -10231,45 +11447,2316 @@
               <a:buNone/>
             </a:pPr>
             <a:r>
-              <a:rPr lang="es-EC"/>
+              <a:rPr lang="es-EC" sz="2800"/>
               <a:t>METODOLOGIA SCRUM</a:t>
             </a:r>
-            <a:endParaRPr lang="es-EC"/>
+            <a:endParaRPr lang="es-EC" sz="2800"/>
+          </a:p>
+        </p:txBody>
+      </p:sp>
+      <p:pic>
+        <p:nvPicPr>
+          <p:cNvPr id="141" name="Google Shape;141;p14"/>
+          <p:cNvPicPr preferRelativeResize="0"/>
+          <p:nvPr/>
+        </p:nvPicPr>
+        <p:blipFill rotWithShape="1">
+          <a:blip r:embed="rId1"/>
+          <a:srcRect l="12056" t="12061" r="10309" b="5382"/>
+          <a:stretch>
+            <a:fillRect/>
+          </a:stretch>
+        </p:blipFill>
+        <p:spPr>
+          <a:xfrm>
+            <a:off x="5461000" y="2027555"/>
+            <a:ext cx="1679575" cy="1783080"/>
+          </a:xfrm>
+          <a:prstGeom prst="rect">
+            <a:avLst/>
+          </a:prstGeom>
+          <a:noFill/>
+          <a:ln>
+            <a:noFill/>
+          </a:ln>
+        </p:spPr>
+      </p:pic>
+      <p:sp>
+        <p:nvSpPr>
+          <p:cNvPr id="134" name="Google Shape;134;p13"/>
+          <p:cNvSpPr txBox="1"/>
+          <p:nvPr/>
+        </p:nvSpPr>
+        <p:spPr>
+          <a:xfrm>
+            <a:off x="1528445" y="4111625"/>
+            <a:ext cx="1871980" cy="631190"/>
+          </a:xfrm>
+          <a:prstGeom prst="rect">
+            <a:avLst/>
+          </a:prstGeom>
+          <a:noFill/>
+          <a:ln>
+            <a:noFill/>
+          </a:ln>
+        </p:spPr>
+        <p:txBody>
+          <a:bodyPr wrap="square" lIns="91425" tIns="91425" rIns="91425" bIns="91425" anchor="t" anchorCtr="0">
+            <a:noAutofit/>
+          </a:bodyPr>
+          <a:lstStyle>
+            <a:defPPr marR="0" lvl="0" algn="l" rtl="0">
+              <a:lnSpc>
+                <a:spcPct val="100000"/>
+              </a:lnSpc>
+              <a:spcBef>
+                <a:spcPts val="0"/>
+              </a:spcBef>
+              <a:spcAft>
+                <a:spcPts val="0"/>
+              </a:spcAft>
+            </a:defPPr>
+            <a:lvl1pPr marR="0" lvl="0" algn="l" rtl="0">
+              <a:lnSpc>
+                <a:spcPct val="100000"/>
+              </a:lnSpc>
+              <a:spcBef>
+                <a:spcPts val="0"/>
+              </a:spcBef>
+              <a:spcAft>
+                <a:spcPts val="0"/>
+              </a:spcAft>
+              <a:buClr>
+                <a:schemeClr val="lt1"/>
+              </a:buClr>
+              <a:buSzPts val="2400"/>
+              <a:buFont typeface="Montserrat" panose="00000500000000000000"/>
+              <a:buNone/>
+              <a:defRPr sz="2400" b="0" i="0" u="none" strike="noStrike" cap="none">
+                <a:solidFill>
+                  <a:schemeClr val="lt1"/>
+                </a:solidFill>
+                <a:latin typeface="Montserrat" panose="00000500000000000000"/>
+                <a:ea typeface="Montserrat" panose="00000500000000000000"/>
+                <a:cs typeface="Montserrat" panose="00000500000000000000"/>
+                <a:sym typeface="Montserrat" panose="00000500000000000000"/>
+              </a:defRPr>
+            </a:lvl1pPr>
+            <a:lvl2pPr marR="0" lvl="1" algn="l" rtl="0">
+              <a:lnSpc>
+                <a:spcPct val="100000"/>
+              </a:lnSpc>
+              <a:spcBef>
+                <a:spcPts val="0"/>
+              </a:spcBef>
+              <a:spcAft>
+                <a:spcPts val="0"/>
+              </a:spcAft>
+              <a:buClr>
+                <a:schemeClr val="lt1"/>
+              </a:buClr>
+              <a:buSzPts val="2400"/>
+              <a:buFont typeface="Montserrat" panose="00000500000000000000"/>
+              <a:buNone/>
+              <a:defRPr sz="2400" b="0" i="0" u="none" strike="noStrike" cap="none">
+                <a:solidFill>
+                  <a:schemeClr val="lt1"/>
+                </a:solidFill>
+                <a:latin typeface="Montserrat" panose="00000500000000000000"/>
+                <a:ea typeface="Montserrat" panose="00000500000000000000"/>
+                <a:cs typeface="Montserrat" panose="00000500000000000000"/>
+                <a:sym typeface="Montserrat" panose="00000500000000000000"/>
+              </a:defRPr>
+            </a:lvl2pPr>
+            <a:lvl3pPr marR="0" lvl="2" algn="l" rtl="0">
+              <a:lnSpc>
+                <a:spcPct val="100000"/>
+              </a:lnSpc>
+              <a:spcBef>
+                <a:spcPts val="0"/>
+              </a:spcBef>
+              <a:spcAft>
+                <a:spcPts val="0"/>
+              </a:spcAft>
+              <a:buClr>
+                <a:schemeClr val="lt1"/>
+              </a:buClr>
+              <a:buSzPts val="2400"/>
+              <a:buFont typeface="Montserrat" panose="00000500000000000000"/>
+              <a:buNone/>
+              <a:defRPr sz="2400" b="0" i="0" u="none" strike="noStrike" cap="none">
+                <a:solidFill>
+                  <a:schemeClr val="lt1"/>
+                </a:solidFill>
+                <a:latin typeface="Montserrat" panose="00000500000000000000"/>
+                <a:ea typeface="Montserrat" panose="00000500000000000000"/>
+                <a:cs typeface="Montserrat" panose="00000500000000000000"/>
+                <a:sym typeface="Montserrat" panose="00000500000000000000"/>
+              </a:defRPr>
+            </a:lvl3pPr>
+            <a:lvl4pPr marR="0" lvl="3" algn="l" rtl="0">
+              <a:lnSpc>
+                <a:spcPct val="100000"/>
+              </a:lnSpc>
+              <a:spcBef>
+                <a:spcPts val="0"/>
+              </a:spcBef>
+              <a:spcAft>
+                <a:spcPts val="0"/>
+              </a:spcAft>
+              <a:buClr>
+                <a:schemeClr val="lt1"/>
+              </a:buClr>
+              <a:buSzPts val="2400"/>
+              <a:buFont typeface="Montserrat" panose="00000500000000000000"/>
+              <a:buNone/>
+              <a:defRPr sz="2400" b="0" i="0" u="none" strike="noStrike" cap="none">
+                <a:solidFill>
+                  <a:schemeClr val="lt1"/>
+                </a:solidFill>
+                <a:latin typeface="Montserrat" panose="00000500000000000000"/>
+                <a:ea typeface="Montserrat" panose="00000500000000000000"/>
+                <a:cs typeface="Montserrat" panose="00000500000000000000"/>
+                <a:sym typeface="Montserrat" panose="00000500000000000000"/>
+              </a:defRPr>
+            </a:lvl4pPr>
+            <a:lvl5pPr marR="0" lvl="4" algn="l" rtl="0">
+              <a:lnSpc>
+                <a:spcPct val="100000"/>
+              </a:lnSpc>
+              <a:spcBef>
+                <a:spcPts val="0"/>
+              </a:spcBef>
+              <a:spcAft>
+                <a:spcPts val="0"/>
+              </a:spcAft>
+              <a:buClr>
+                <a:schemeClr val="lt1"/>
+              </a:buClr>
+              <a:buSzPts val="2400"/>
+              <a:buFont typeface="Montserrat" panose="00000500000000000000"/>
+              <a:buNone/>
+              <a:defRPr sz="2400" b="0" i="0" u="none" strike="noStrike" cap="none">
+                <a:solidFill>
+                  <a:schemeClr val="lt1"/>
+                </a:solidFill>
+                <a:latin typeface="Montserrat" panose="00000500000000000000"/>
+                <a:ea typeface="Montserrat" panose="00000500000000000000"/>
+                <a:cs typeface="Montserrat" panose="00000500000000000000"/>
+                <a:sym typeface="Montserrat" panose="00000500000000000000"/>
+              </a:defRPr>
+            </a:lvl5pPr>
+            <a:lvl6pPr marR="0" lvl="5" algn="l" rtl="0">
+              <a:lnSpc>
+                <a:spcPct val="100000"/>
+              </a:lnSpc>
+              <a:spcBef>
+                <a:spcPts val="0"/>
+              </a:spcBef>
+              <a:spcAft>
+                <a:spcPts val="0"/>
+              </a:spcAft>
+              <a:buClr>
+                <a:schemeClr val="lt1"/>
+              </a:buClr>
+              <a:buSzPts val="2400"/>
+              <a:buFont typeface="Montserrat" panose="00000500000000000000"/>
+              <a:buNone/>
+              <a:defRPr sz="2400" b="0" i="0" u="none" strike="noStrike" cap="none">
+                <a:solidFill>
+                  <a:schemeClr val="lt1"/>
+                </a:solidFill>
+                <a:latin typeface="Montserrat" panose="00000500000000000000"/>
+                <a:ea typeface="Montserrat" panose="00000500000000000000"/>
+                <a:cs typeface="Montserrat" panose="00000500000000000000"/>
+                <a:sym typeface="Montserrat" panose="00000500000000000000"/>
+              </a:defRPr>
+            </a:lvl6pPr>
+            <a:lvl7pPr marR="0" lvl="6" algn="l" rtl="0">
+              <a:lnSpc>
+                <a:spcPct val="100000"/>
+              </a:lnSpc>
+              <a:spcBef>
+                <a:spcPts val="0"/>
+              </a:spcBef>
+              <a:spcAft>
+                <a:spcPts val="0"/>
+              </a:spcAft>
+              <a:buClr>
+                <a:schemeClr val="lt1"/>
+              </a:buClr>
+              <a:buSzPts val="2400"/>
+              <a:buFont typeface="Montserrat" panose="00000500000000000000"/>
+              <a:buNone/>
+              <a:defRPr sz="2400" b="0" i="0" u="none" strike="noStrike" cap="none">
+                <a:solidFill>
+                  <a:schemeClr val="lt1"/>
+                </a:solidFill>
+                <a:latin typeface="Montserrat" panose="00000500000000000000"/>
+                <a:ea typeface="Montserrat" panose="00000500000000000000"/>
+                <a:cs typeface="Montserrat" panose="00000500000000000000"/>
+                <a:sym typeface="Montserrat" panose="00000500000000000000"/>
+              </a:defRPr>
+            </a:lvl7pPr>
+            <a:lvl8pPr marR="0" lvl="7" algn="l" rtl="0">
+              <a:lnSpc>
+                <a:spcPct val="100000"/>
+              </a:lnSpc>
+              <a:spcBef>
+                <a:spcPts val="0"/>
+              </a:spcBef>
+              <a:spcAft>
+                <a:spcPts val="0"/>
+              </a:spcAft>
+              <a:buClr>
+                <a:schemeClr val="lt1"/>
+              </a:buClr>
+              <a:buSzPts val="2400"/>
+              <a:buFont typeface="Montserrat" panose="00000500000000000000"/>
+              <a:buNone/>
+              <a:defRPr sz="2400" b="0" i="0" u="none" strike="noStrike" cap="none">
+                <a:solidFill>
+                  <a:schemeClr val="lt1"/>
+                </a:solidFill>
+                <a:latin typeface="Montserrat" panose="00000500000000000000"/>
+                <a:ea typeface="Montserrat" panose="00000500000000000000"/>
+                <a:cs typeface="Montserrat" panose="00000500000000000000"/>
+                <a:sym typeface="Montserrat" panose="00000500000000000000"/>
+              </a:defRPr>
+            </a:lvl8pPr>
+            <a:lvl9pPr marR="0" lvl="8" algn="l" rtl="0">
+              <a:lnSpc>
+                <a:spcPct val="100000"/>
+              </a:lnSpc>
+              <a:spcBef>
+                <a:spcPts val="0"/>
+              </a:spcBef>
+              <a:spcAft>
+                <a:spcPts val="0"/>
+              </a:spcAft>
+              <a:buClr>
+                <a:schemeClr val="lt1"/>
+              </a:buClr>
+              <a:buSzPts val="2400"/>
+              <a:buFont typeface="Montserrat" panose="00000500000000000000"/>
+              <a:buNone/>
+              <a:defRPr sz="2400" b="0" i="0" u="none" strike="noStrike" cap="none">
+                <a:solidFill>
+                  <a:schemeClr val="lt1"/>
+                </a:solidFill>
+                <a:latin typeface="Montserrat" panose="00000500000000000000"/>
+                <a:ea typeface="Montserrat" panose="00000500000000000000"/>
+                <a:cs typeface="Montserrat" panose="00000500000000000000"/>
+                <a:sym typeface="Montserrat" panose="00000500000000000000"/>
+              </a:defRPr>
+            </a:lvl9pPr>
+          </a:lstStyle>
+          <a:p>
+            <a:pPr marL="0" lvl="0" indent="0" algn="l" rtl="0">
+              <a:spcBef>
+                <a:spcPts val="0"/>
+              </a:spcBef>
+              <a:spcAft>
+                <a:spcPts val="0"/>
+              </a:spcAft>
+              <a:buNone/>
+            </a:pPr>
+            <a:r>
+              <a:rPr lang="es-EC" altLang="en-US"/>
+              <a:t>BACKEND</a:t>
+            </a:r>
+            <a:endParaRPr lang="es-EC" altLang="en-US"/>
           </a:p>
         </p:txBody>
       </p:sp>
       <p:sp>
         <p:nvSpPr>
-          <p:cNvPr id="157" name="Google Shape;157;p16"/>
+          <p:cNvPr id="5" name="Google Shape;134;p13"/>
           <p:cNvSpPr txBox="1"/>
-          <p:nvPr>
-            <p:ph type="body" idx="1"/>
-          </p:nvPr>
+          <p:nvPr/>
         </p:nvSpPr>
         <p:spPr>
           <a:xfrm>
-            <a:off x="1297500" y="1567550"/>
-            <a:ext cx="7038900" cy="2911200"/>
+            <a:off x="5226685" y="4111625"/>
+            <a:ext cx="2052320" cy="631190"/>
           </a:xfrm>
           <a:prstGeom prst="rect">
             <a:avLst/>
           </a:prstGeom>
+          <a:noFill/>
+          <a:ln>
+            <a:noFill/>
+          </a:ln>
         </p:spPr>
         <p:txBody>
-          <a:bodyPr spcFirstLastPara="1" wrap="square" lIns="91425" tIns="91425" rIns="91425" bIns="91425" anchor="t" anchorCtr="0">
+          <a:bodyPr wrap="square" lIns="91425" tIns="91425" rIns="91425" bIns="91425" anchor="t" anchorCtr="0">
             <a:noAutofit/>
           </a:bodyPr>
-          <a:lstStyle/>
+          <a:lstStyle>
+            <a:defPPr marR="0" lvl="0" algn="l" rtl="0">
+              <a:lnSpc>
+                <a:spcPct val="100000"/>
+              </a:lnSpc>
+              <a:spcBef>
+                <a:spcPts val="0"/>
+              </a:spcBef>
+              <a:spcAft>
+                <a:spcPts val="0"/>
+              </a:spcAft>
+            </a:defPPr>
+            <a:lvl1pPr marR="0" lvl="0" algn="l" rtl="0">
+              <a:lnSpc>
+                <a:spcPct val="100000"/>
+              </a:lnSpc>
+              <a:spcBef>
+                <a:spcPts val="0"/>
+              </a:spcBef>
+              <a:spcAft>
+                <a:spcPts val="0"/>
+              </a:spcAft>
+              <a:buClr>
+                <a:schemeClr val="lt1"/>
+              </a:buClr>
+              <a:buSzPts val="2400"/>
+              <a:buFont typeface="Montserrat" panose="00000500000000000000"/>
+              <a:buNone/>
+              <a:defRPr sz="2400" b="0" i="0" u="none" strike="noStrike" cap="none">
+                <a:solidFill>
+                  <a:schemeClr val="lt1"/>
+                </a:solidFill>
+                <a:latin typeface="Montserrat" panose="00000500000000000000"/>
+                <a:ea typeface="Montserrat" panose="00000500000000000000"/>
+                <a:cs typeface="Montserrat" panose="00000500000000000000"/>
+                <a:sym typeface="Montserrat" panose="00000500000000000000"/>
+              </a:defRPr>
+            </a:lvl1pPr>
+            <a:lvl2pPr marR="0" lvl="1" algn="l" rtl="0">
+              <a:lnSpc>
+                <a:spcPct val="100000"/>
+              </a:lnSpc>
+              <a:spcBef>
+                <a:spcPts val="0"/>
+              </a:spcBef>
+              <a:spcAft>
+                <a:spcPts val="0"/>
+              </a:spcAft>
+              <a:buClr>
+                <a:schemeClr val="lt1"/>
+              </a:buClr>
+              <a:buSzPts val="2400"/>
+              <a:buFont typeface="Montserrat" panose="00000500000000000000"/>
+              <a:buNone/>
+              <a:defRPr sz="2400" b="0" i="0" u="none" strike="noStrike" cap="none">
+                <a:solidFill>
+                  <a:schemeClr val="lt1"/>
+                </a:solidFill>
+                <a:latin typeface="Montserrat" panose="00000500000000000000"/>
+                <a:ea typeface="Montserrat" panose="00000500000000000000"/>
+                <a:cs typeface="Montserrat" panose="00000500000000000000"/>
+                <a:sym typeface="Montserrat" panose="00000500000000000000"/>
+              </a:defRPr>
+            </a:lvl2pPr>
+            <a:lvl3pPr marR="0" lvl="2" algn="l" rtl="0">
+              <a:lnSpc>
+                <a:spcPct val="100000"/>
+              </a:lnSpc>
+              <a:spcBef>
+                <a:spcPts val="0"/>
+              </a:spcBef>
+              <a:spcAft>
+                <a:spcPts val="0"/>
+              </a:spcAft>
+              <a:buClr>
+                <a:schemeClr val="lt1"/>
+              </a:buClr>
+              <a:buSzPts val="2400"/>
+              <a:buFont typeface="Montserrat" panose="00000500000000000000"/>
+              <a:buNone/>
+              <a:defRPr sz="2400" b="0" i="0" u="none" strike="noStrike" cap="none">
+                <a:solidFill>
+                  <a:schemeClr val="lt1"/>
+                </a:solidFill>
+                <a:latin typeface="Montserrat" panose="00000500000000000000"/>
+                <a:ea typeface="Montserrat" panose="00000500000000000000"/>
+                <a:cs typeface="Montserrat" panose="00000500000000000000"/>
+                <a:sym typeface="Montserrat" panose="00000500000000000000"/>
+              </a:defRPr>
+            </a:lvl3pPr>
+            <a:lvl4pPr marR="0" lvl="3" algn="l" rtl="0">
+              <a:lnSpc>
+                <a:spcPct val="100000"/>
+              </a:lnSpc>
+              <a:spcBef>
+                <a:spcPts val="0"/>
+              </a:spcBef>
+              <a:spcAft>
+                <a:spcPts val="0"/>
+              </a:spcAft>
+              <a:buClr>
+                <a:schemeClr val="lt1"/>
+              </a:buClr>
+              <a:buSzPts val="2400"/>
+              <a:buFont typeface="Montserrat" panose="00000500000000000000"/>
+              <a:buNone/>
+              <a:defRPr sz="2400" b="0" i="0" u="none" strike="noStrike" cap="none">
+                <a:solidFill>
+                  <a:schemeClr val="lt1"/>
+                </a:solidFill>
+                <a:latin typeface="Montserrat" panose="00000500000000000000"/>
+                <a:ea typeface="Montserrat" panose="00000500000000000000"/>
+                <a:cs typeface="Montserrat" panose="00000500000000000000"/>
+                <a:sym typeface="Montserrat" panose="00000500000000000000"/>
+              </a:defRPr>
+            </a:lvl4pPr>
+            <a:lvl5pPr marR="0" lvl="4" algn="l" rtl="0">
+              <a:lnSpc>
+                <a:spcPct val="100000"/>
+              </a:lnSpc>
+              <a:spcBef>
+                <a:spcPts val="0"/>
+              </a:spcBef>
+              <a:spcAft>
+                <a:spcPts val="0"/>
+              </a:spcAft>
+              <a:buClr>
+                <a:schemeClr val="lt1"/>
+              </a:buClr>
+              <a:buSzPts val="2400"/>
+              <a:buFont typeface="Montserrat" panose="00000500000000000000"/>
+              <a:buNone/>
+              <a:defRPr sz="2400" b="0" i="0" u="none" strike="noStrike" cap="none">
+                <a:solidFill>
+                  <a:schemeClr val="lt1"/>
+                </a:solidFill>
+                <a:latin typeface="Montserrat" panose="00000500000000000000"/>
+                <a:ea typeface="Montserrat" panose="00000500000000000000"/>
+                <a:cs typeface="Montserrat" panose="00000500000000000000"/>
+                <a:sym typeface="Montserrat" panose="00000500000000000000"/>
+              </a:defRPr>
+            </a:lvl5pPr>
+            <a:lvl6pPr marR="0" lvl="5" algn="l" rtl="0">
+              <a:lnSpc>
+                <a:spcPct val="100000"/>
+              </a:lnSpc>
+              <a:spcBef>
+                <a:spcPts val="0"/>
+              </a:spcBef>
+              <a:spcAft>
+                <a:spcPts val="0"/>
+              </a:spcAft>
+              <a:buClr>
+                <a:schemeClr val="lt1"/>
+              </a:buClr>
+              <a:buSzPts val="2400"/>
+              <a:buFont typeface="Montserrat" panose="00000500000000000000"/>
+              <a:buNone/>
+              <a:defRPr sz="2400" b="0" i="0" u="none" strike="noStrike" cap="none">
+                <a:solidFill>
+                  <a:schemeClr val="lt1"/>
+                </a:solidFill>
+                <a:latin typeface="Montserrat" panose="00000500000000000000"/>
+                <a:ea typeface="Montserrat" panose="00000500000000000000"/>
+                <a:cs typeface="Montserrat" panose="00000500000000000000"/>
+                <a:sym typeface="Montserrat" panose="00000500000000000000"/>
+              </a:defRPr>
+            </a:lvl6pPr>
+            <a:lvl7pPr marR="0" lvl="6" algn="l" rtl="0">
+              <a:lnSpc>
+                <a:spcPct val="100000"/>
+              </a:lnSpc>
+              <a:spcBef>
+                <a:spcPts val="0"/>
+              </a:spcBef>
+              <a:spcAft>
+                <a:spcPts val="0"/>
+              </a:spcAft>
+              <a:buClr>
+                <a:schemeClr val="lt1"/>
+              </a:buClr>
+              <a:buSzPts val="2400"/>
+              <a:buFont typeface="Montserrat" panose="00000500000000000000"/>
+              <a:buNone/>
+              <a:defRPr sz="2400" b="0" i="0" u="none" strike="noStrike" cap="none">
+                <a:solidFill>
+                  <a:schemeClr val="lt1"/>
+                </a:solidFill>
+                <a:latin typeface="Montserrat" panose="00000500000000000000"/>
+                <a:ea typeface="Montserrat" panose="00000500000000000000"/>
+                <a:cs typeface="Montserrat" panose="00000500000000000000"/>
+                <a:sym typeface="Montserrat" panose="00000500000000000000"/>
+              </a:defRPr>
+            </a:lvl7pPr>
+            <a:lvl8pPr marR="0" lvl="7" algn="l" rtl="0">
+              <a:lnSpc>
+                <a:spcPct val="100000"/>
+              </a:lnSpc>
+              <a:spcBef>
+                <a:spcPts val="0"/>
+              </a:spcBef>
+              <a:spcAft>
+                <a:spcPts val="0"/>
+              </a:spcAft>
+              <a:buClr>
+                <a:schemeClr val="lt1"/>
+              </a:buClr>
+              <a:buSzPts val="2400"/>
+              <a:buFont typeface="Montserrat" panose="00000500000000000000"/>
+              <a:buNone/>
+              <a:defRPr sz="2400" b="0" i="0" u="none" strike="noStrike" cap="none">
+                <a:solidFill>
+                  <a:schemeClr val="lt1"/>
+                </a:solidFill>
+                <a:latin typeface="Montserrat" panose="00000500000000000000"/>
+                <a:ea typeface="Montserrat" panose="00000500000000000000"/>
+                <a:cs typeface="Montserrat" panose="00000500000000000000"/>
+                <a:sym typeface="Montserrat" panose="00000500000000000000"/>
+              </a:defRPr>
+            </a:lvl8pPr>
+            <a:lvl9pPr marR="0" lvl="8" algn="l" rtl="0">
+              <a:lnSpc>
+                <a:spcPct val="100000"/>
+              </a:lnSpc>
+              <a:spcBef>
+                <a:spcPts val="0"/>
+              </a:spcBef>
+              <a:spcAft>
+                <a:spcPts val="0"/>
+              </a:spcAft>
+              <a:buClr>
+                <a:schemeClr val="lt1"/>
+              </a:buClr>
+              <a:buSzPts val="2400"/>
+              <a:buFont typeface="Montserrat" panose="00000500000000000000"/>
+              <a:buNone/>
+              <a:defRPr sz="2400" b="0" i="0" u="none" strike="noStrike" cap="none">
+                <a:solidFill>
+                  <a:schemeClr val="lt1"/>
+                </a:solidFill>
+                <a:latin typeface="Montserrat" panose="00000500000000000000"/>
+                <a:ea typeface="Montserrat" panose="00000500000000000000"/>
+                <a:cs typeface="Montserrat" panose="00000500000000000000"/>
+                <a:sym typeface="Montserrat" panose="00000500000000000000"/>
+              </a:defRPr>
+            </a:lvl9pPr>
+          </a:lstStyle>
           <a:p>
             <a:pPr marL="0" lvl="0" indent="0" algn="l" rtl="0">
               <a:spcBef>
                 <a:spcPts val="0"/>
               </a:spcBef>
               <a:spcAft>
-                <a:spcPts val="1600"/>
+                <a:spcPts val="0"/>
               </a:spcAft>
               <a:buNone/>
             </a:pPr>
+            <a:r>
+              <a:rPr lang="es-EC" altLang="en-US"/>
+              <a:t>FRONTEND</a:t>
+            </a:r>
+            <a:endParaRPr lang="es-EC" altLang="en-US"/>
+          </a:p>
+        </p:txBody>
+      </p:sp>
+      <p:sp>
+        <p:nvSpPr>
+          <p:cNvPr id="6" name="Google Shape;134;p13"/>
+          <p:cNvSpPr txBox="1"/>
+          <p:nvPr/>
+        </p:nvSpPr>
+        <p:spPr>
+          <a:xfrm>
+            <a:off x="1300480" y="1095375"/>
+            <a:ext cx="2520950" cy="631190"/>
+          </a:xfrm>
+          <a:prstGeom prst="rect">
+            <a:avLst/>
+          </a:prstGeom>
+          <a:noFill/>
+          <a:ln>
+            <a:noFill/>
+          </a:ln>
+        </p:spPr>
+        <p:txBody>
+          <a:bodyPr wrap="square" lIns="91425" tIns="91425" rIns="91425" bIns="91425" anchor="t" anchorCtr="0">
+            <a:noAutofit/>
+          </a:bodyPr>
+          <a:lstStyle>
+            <a:defPPr marR="0" lvl="0" algn="l" rtl="0">
+              <a:lnSpc>
+                <a:spcPct val="100000"/>
+              </a:lnSpc>
+              <a:spcBef>
+                <a:spcPts val="0"/>
+              </a:spcBef>
+              <a:spcAft>
+                <a:spcPts val="0"/>
+              </a:spcAft>
+            </a:defPPr>
+            <a:lvl1pPr marR="0" lvl="0" algn="l" rtl="0">
+              <a:lnSpc>
+                <a:spcPct val="100000"/>
+              </a:lnSpc>
+              <a:spcBef>
+                <a:spcPts val="0"/>
+              </a:spcBef>
+              <a:spcAft>
+                <a:spcPts val="0"/>
+              </a:spcAft>
+              <a:buClr>
+                <a:schemeClr val="lt1"/>
+              </a:buClr>
+              <a:buSzPts val="2400"/>
+              <a:buFont typeface="Montserrat" panose="00000500000000000000"/>
+              <a:buNone/>
+              <a:defRPr sz="2400" b="0" i="0" u="none" strike="noStrike" cap="none">
+                <a:solidFill>
+                  <a:schemeClr val="lt1"/>
+                </a:solidFill>
+                <a:latin typeface="Montserrat" panose="00000500000000000000"/>
+                <a:ea typeface="Montserrat" panose="00000500000000000000"/>
+                <a:cs typeface="Montserrat" panose="00000500000000000000"/>
+                <a:sym typeface="Montserrat" panose="00000500000000000000"/>
+              </a:defRPr>
+            </a:lvl1pPr>
+            <a:lvl2pPr marR="0" lvl="1" algn="l" rtl="0">
+              <a:lnSpc>
+                <a:spcPct val="100000"/>
+              </a:lnSpc>
+              <a:spcBef>
+                <a:spcPts val="0"/>
+              </a:spcBef>
+              <a:spcAft>
+                <a:spcPts val="0"/>
+              </a:spcAft>
+              <a:buClr>
+                <a:schemeClr val="lt1"/>
+              </a:buClr>
+              <a:buSzPts val="2400"/>
+              <a:buFont typeface="Montserrat" panose="00000500000000000000"/>
+              <a:buNone/>
+              <a:defRPr sz="2400" b="0" i="0" u="none" strike="noStrike" cap="none">
+                <a:solidFill>
+                  <a:schemeClr val="lt1"/>
+                </a:solidFill>
+                <a:latin typeface="Montserrat" panose="00000500000000000000"/>
+                <a:ea typeface="Montserrat" panose="00000500000000000000"/>
+                <a:cs typeface="Montserrat" panose="00000500000000000000"/>
+                <a:sym typeface="Montserrat" panose="00000500000000000000"/>
+              </a:defRPr>
+            </a:lvl2pPr>
+            <a:lvl3pPr marR="0" lvl="2" algn="l" rtl="0">
+              <a:lnSpc>
+                <a:spcPct val="100000"/>
+              </a:lnSpc>
+              <a:spcBef>
+                <a:spcPts val="0"/>
+              </a:spcBef>
+              <a:spcAft>
+                <a:spcPts val="0"/>
+              </a:spcAft>
+              <a:buClr>
+                <a:schemeClr val="lt1"/>
+              </a:buClr>
+              <a:buSzPts val="2400"/>
+              <a:buFont typeface="Montserrat" panose="00000500000000000000"/>
+              <a:buNone/>
+              <a:defRPr sz="2400" b="0" i="0" u="none" strike="noStrike" cap="none">
+                <a:solidFill>
+                  <a:schemeClr val="lt1"/>
+                </a:solidFill>
+                <a:latin typeface="Montserrat" panose="00000500000000000000"/>
+                <a:ea typeface="Montserrat" panose="00000500000000000000"/>
+                <a:cs typeface="Montserrat" panose="00000500000000000000"/>
+                <a:sym typeface="Montserrat" panose="00000500000000000000"/>
+              </a:defRPr>
+            </a:lvl3pPr>
+            <a:lvl4pPr marR="0" lvl="3" algn="l" rtl="0">
+              <a:lnSpc>
+                <a:spcPct val="100000"/>
+              </a:lnSpc>
+              <a:spcBef>
+                <a:spcPts val="0"/>
+              </a:spcBef>
+              <a:spcAft>
+                <a:spcPts val="0"/>
+              </a:spcAft>
+              <a:buClr>
+                <a:schemeClr val="lt1"/>
+              </a:buClr>
+              <a:buSzPts val="2400"/>
+              <a:buFont typeface="Montserrat" panose="00000500000000000000"/>
+              <a:buNone/>
+              <a:defRPr sz="2400" b="0" i="0" u="none" strike="noStrike" cap="none">
+                <a:solidFill>
+                  <a:schemeClr val="lt1"/>
+                </a:solidFill>
+                <a:latin typeface="Montserrat" panose="00000500000000000000"/>
+                <a:ea typeface="Montserrat" panose="00000500000000000000"/>
+                <a:cs typeface="Montserrat" panose="00000500000000000000"/>
+                <a:sym typeface="Montserrat" panose="00000500000000000000"/>
+              </a:defRPr>
+            </a:lvl4pPr>
+            <a:lvl5pPr marR="0" lvl="4" algn="l" rtl="0">
+              <a:lnSpc>
+                <a:spcPct val="100000"/>
+              </a:lnSpc>
+              <a:spcBef>
+                <a:spcPts val="0"/>
+              </a:spcBef>
+              <a:spcAft>
+                <a:spcPts val="0"/>
+              </a:spcAft>
+              <a:buClr>
+                <a:schemeClr val="lt1"/>
+              </a:buClr>
+              <a:buSzPts val="2400"/>
+              <a:buFont typeface="Montserrat" panose="00000500000000000000"/>
+              <a:buNone/>
+              <a:defRPr sz="2400" b="0" i="0" u="none" strike="noStrike" cap="none">
+                <a:solidFill>
+                  <a:schemeClr val="lt1"/>
+                </a:solidFill>
+                <a:latin typeface="Montserrat" panose="00000500000000000000"/>
+                <a:ea typeface="Montserrat" panose="00000500000000000000"/>
+                <a:cs typeface="Montserrat" panose="00000500000000000000"/>
+                <a:sym typeface="Montserrat" panose="00000500000000000000"/>
+              </a:defRPr>
+            </a:lvl5pPr>
+            <a:lvl6pPr marR="0" lvl="5" algn="l" rtl="0">
+              <a:lnSpc>
+                <a:spcPct val="100000"/>
+              </a:lnSpc>
+              <a:spcBef>
+                <a:spcPts val="0"/>
+              </a:spcBef>
+              <a:spcAft>
+                <a:spcPts val="0"/>
+              </a:spcAft>
+              <a:buClr>
+                <a:schemeClr val="lt1"/>
+              </a:buClr>
+              <a:buSzPts val="2400"/>
+              <a:buFont typeface="Montserrat" panose="00000500000000000000"/>
+              <a:buNone/>
+              <a:defRPr sz="2400" b="0" i="0" u="none" strike="noStrike" cap="none">
+                <a:solidFill>
+                  <a:schemeClr val="lt1"/>
+                </a:solidFill>
+                <a:latin typeface="Montserrat" panose="00000500000000000000"/>
+                <a:ea typeface="Montserrat" panose="00000500000000000000"/>
+                <a:cs typeface="Montserrat" panose="00000500000000000000"/>
+                <a:sym typeface="Montserrat" panose="00000500000000000000"/>
+              </a:defRPr>
+            </a:lvl6pPr>
+            <a:lvl7pPr marR="0" lvl="6" algn="l" rtl="0">
+              <a:lnSpc>
+                <a:spcPct val="100000"/>
+              </a:lnSpc>
+              <a:spcBef>
+                <a:spcPts val="0"/>
+              </a:spcBef>
+              <a:spcAft>
+                <a:spcPts val="0"/>
+              </a:spcAft>
+              <a:buClr>
+                <a:schemeClr val="lt1"/>
+              </a:buClr>
+              <a:buSzPts val="2400"/>
+              <a:buFont typeface="Montserrat" panose="00000500000000000000"/>
+              <a:buNone/>
+              <a:defRPr sz="2400" b="0" i="0" u="none" strike="noStrike" cap="none">
+                <a:solidFill>
+                  <a:schemeClr val="lt1"/>
+                </a:solidFill>
+                <a:latin typeface="Montserrat" panose="00000500000000000000"/>
+                <a:ea typeface="Montserrat" panose="00000500000000000000"/>
+                <a:cs typeface="Montserrat" panose="00000500000000000000"/>
+                <a:sym typeface="Montserrat" panose="00000500000000000000"/>
+              </a:defRPr>
+            </a:lvl7pPr>
+            <a:lvl8pPr marR="0" lvl="7" algn="l" rtl="0">
+              <a:lnSpc>
+                <a:spcPct val="100000"/>
+              </a:lnSpc>
+              <a:spcBef>
+                <a:spcPts val="0"/>
+              </a:spcBef>
+              <a:spcAft>
+                <a:spcPts val="0"/>
+              </a:spcAft>
+              <a:buClr>
+                <a:schemeClr val="lt1"/>
+              </a:buClr>
+              <a:buSzPts val="2400"/>
+              <a:buFont typeface="Montserrat" panose="00000500000000000000"/>
+              <a:buNone/>
+              <a:defRPr sz="2400" b="0" i="0" u="none" strike="noStrike" cap="none">
+                <a:solidFill>
+                  <a:schemeClr val="lt1"/>
+                </a:solidFill>
+                <a:latin typeface="Montserrat" panose="00000500000000000000"/>
+                <a:ea typeface="Montserrat" panose="00000500000000000000"/>
+                <a:cs typeface="Montserrat" panose="00000500000000000000"/>
+                <a:sym typeface="Montserrat" panose="00000500000000000000"/>
+              </a:defRPr>
+            </a:lvl8pPr>
+            <a:lvl9pPr marR="0" lvl="8" algn="l" rtl="0">
+              <a:lnSpc>
+                <a:spcPct val="100000"/>
+              </a:lnSpc>
+              <a:spcBef>
+                <a:spcPts val="0"/>
+              </a:spcBef>
+              <a:spcAft>
+                <a:spcPts val="0"/>
+              </a:spcAft>
+              <a:buClr>
+                <a:schemeClr val="lt1"/>
+              </a:buClr>
+              <a:buSzPts val="2400"/>
+              <a:buFont typeface="Montserrat" panose="00000500000000000000"/>
+              <a:buNone/>
+              <a:defRPr sz="2400" b="0" i="0" u="none" strike="noStrike" cap="none">
+                <a:solidFill>
+                  <a:schemeClr val="lt1"/>
+                </a:solidFill>
+                <a:latin typeface="Montserrat" panose="00000500000000000000"/>
+                <a:ea typeface="Montserrat" panose="00000500000000000000"/>
+                <a:cs typeface="Montserrat" panose="00000500000000000000"/>
+                <a:sym typeface="Montserrat" panose="00000500000000000000"/>
+              </a:defRPr>
+            </a:lvl9pPr>
+          </a:lstStyle>
+          <a:p>
+            <a:pPr marL="0" lvl="0" indent="0" algn="l" rtl="0">
+              <a:spcBef>
+                <a:spcPts val="0"/>
+              </a:spcBef>
+              <a:spcAft>
+                <a:spcPts val="0"/>
+              </a:spcAft>
+              <a:buNone/>
+            </a:pPr>
+            <a:r>
+              <a:rPr lang="es-EC" altLang="en-US"/>
+              <a:t>Primer Sprint</a:t>
+            </a:r>
+            <a:endParaRPr lang="es-EC" altLang="en-US"/>
+          </a:p>
+        </p:txBody>
+      </p:sp>
+      <p:sp>
+        <p:nvSpPr>
+          <p:cNvPr id="7" name="Google Shape;134;p13"/>
+          <p:cNvSpPr txBox="1"/>
+          <p:nvPr/>
+        </p:nvSpPr>
+        <p:spPr>
+          <a:xfrm>
+            <a:off x="4824095" y="1095375"/>
+            <a:ext cx="2857500" cy="631190"/>
+          </a:xfrm>
+          <a:prstGeom prst="rect">
+            <a:avLst/>
+          </a:prstGeom>
+          <a:noFill/>
+          <a:ln>
+            <a:noFill/>
+          </a:ln>
+        </p:spPr>
+        <p:txBody>
+          <a:bodyPr wrap="square" lIns="91425" tIns="91425" rIns="91425" bIns="91425" anchor="t" anchorCtr="0">
+            <a:noAutofit/>
+          </a:bodyPr>
+          <a:lstStyle>
+            <a:defPPr marR="0" lvl="0" algn="l" rtl="0">
+              <a:lnSpc>
+                <a:spcPct val="100000"/>
+              </a:lnSpc>
+              <a:spcBef>
+                <a:spcPts val="0"/>
+              </a:spcBef>
+              <a:spcAft>
+                <a:spcPts val="0"/>
+              </a:spcAft>
+            </a:defPPr>
+            <a:lvl1pPr marR="0" lvl="0" algn="l" rtl="0">
+              <a:lnSpc>
+                <a:spcPct val="100000"/>
+              </a:lnSpc>
+              <a:spcBef>
+                <a:spcPts val="0"/>
+              </a:spcBef>
+              <a:spcAft>
+                <a:spcPts val="0"/>
+              </a:spcAft>
+              <a:buClr>
+                <a:schemeClr val="lt1"/>
+              </a:buClr>
+              <a:buSzPts val="2400"/>
+              <a:buFont typeface="Montserrat" panose="00000500000000000000"/>
+              <a:buNone/>
+              <a:defRPr sz="2400" b="0" i="0" u="none" strike="noStrike" cap="none">
+                <a:solidFill>
+                  <a:schemeClr val="lt1"/>
+                </a:solidFill>
+                <a:latin typeface="Montserrat" panose="00000500000000000000"/>
+                <a:ea typeface="Montserrat" panose="00000500000000000000"/>
+                <a:cs typeface="Montserrat" panose="00000500000000000000"/>
+                <a:sym typeface="Montserrat" panose="00000500000000000000"/>
+              </a:defRPr>
+            </a:lvl1pPr>
+            <a:lvl2pPr marR="0" lvl="1" algn="l" rtl="0">
+              <a:lnSpc>
+                <a:spcPct val="100000"/>
+              </a:lnSpc>
+              <a:spcBef>
+                <a:spcPts val="0"/>
+              </a:spcBef>
+              <a:spcAft>
+                <a:spcPts val="0"/>
+              </a:spcAft>
+              <a:buClr>
+                <a:schemeClr val="lt1"/>
+              </a:buClr>
+              <a:buSzPts val="2400"/>
+              <a:buFont typeface="Montserrat" panose="00000500000000000000"/>
+              <a:buNone/>
+              <a:defRPr sz="2400" b="0" i="0" u="none" strike="noStrike" cap="none">
+                <a:solidFill>
+                  <a:schemeClr val="lt1"/>
+                </a:solidFill>
+                <a:latin typeface="Montserrat" panose="00000500000000000000"/>
+                <a:ea typeface="Montserrat" panose="00000500000000000000"/>
+                <a:cs typeface="Montserrat" panose="00000500000000000000"/>
+                <a:sym typeface="Montserrat" panose="00000500000000000000"/>
+              </a:defRPr>
+            </a:lvl2pPr>
+            <a:lvl3pPr marR="0" lvl="2" algn="l" rtl="0">
+              <a:lnSpc>
+                <a:spcPct val="100000"/>
+              </a:lnSpc>
+              <a:spcBef>
+                <a:spcPts val="0"/>
+              </a:spcBef>
+              <a:spcAft>
+                <a:spcPts val="0"/>
+              </a:spcAft>
+              <a:buClr>
+                <a:schemeClr val="lt1"/>
+              </a:buClr>
+              <a:buSzPts val="2400"/>
+              <a:buFont typeface="Montserrat" panose="00000500000000000000"/>
+              <a:buNone/>
+              <a:defRPr sz="2400" b="0" i="0" u="none" strike="noStrike" cap="none">
+                <a:solidFill>
+                  <a:schemeClr val="lt1"/>
+                </a:solidFill>
+                <a:latin typeface="Montserrat" panose="00000500000000000000"/>
+                <a:ea typeface="Montserrat" panose="00000500000000000000"/>
+                <a:cs typeface="Montserrat" panose="00000500000000000000"/>
+                <a:sym typeface="Montserrat" panose="00000500000000000000"/>
+              </a:defRPr>
+            </a:lvl3pPr>
+            <a:lvl4pPr marR="0" lvl="3" algn="l" rtl="0">
+              <a:lnSpc>
+                <a:spcPct val="100000"/>
+              </a:lnSpc>
+              <a:spcBef>
+                <a:spcPts val="0"/>
+              </a:spcBef>
+              <a:spcAft>
+                <a:spcPts val="0"/>
+              </a:spcAft>
+              <a:buClr>
+                <a:schemeClr val="lt1"/>
+              </a:buClr>
+              <a:buSzPts val="2400"/>
+              <a:buFont typeface="Montserrat" panose="00000500000000000000"/>
+              <a:buNone/>
+              <a:defRPr sz="2400" b="0" i="0" u="none" strike="noStrike" cap="none">
+                <a:solidFill>
+                  <a:schemeClr val="lt1"/>
+                </a:solidFill>
+                <a:latin typeface="Montserrat" panose="00000500000000000000"/>
+                <a:ea typeface="Montserrat" panose="00000500000000000000"/>
+                <a:cs typeface="Montserrat" panose="00000500000000000000"/>
+                <a:sym typeface="Montserrat" panose="00000500000000000000"/>
+              </a:defRPr>
+            </a:lvl4pPr>
+            <a:lvl5pPr marR="0" lvl="4" algn="l" rtl="0">
+              <a:lnSpc>
+                <a:spcPct val="100000"/>
+              </a:lnSpc>
+              <a:spcBef>
+                <a:spcPts val="0"/>
+              </a:spcBef>
+              <a:spcAft>
+                <a:spcPts val="0"/>
+              </a:spcAft>
+              <a:buClr>
+                <a:schemeClr val="lt1"/>
+              </a:buClr>
+              <a:buSzPts val="2400"/>
+              <a:buFont typeface="Montserrat" panose="00000500000000000000"/>
+              <a:buNone/>
+              <a:defRPr sz="2400" b="0" i="0" u="none" strike="noStrike" cap="none">
+                <a:solidFill>
+                  <a:schemeClr val="lt1"/>
+                </a:solidFill>
+                <a:latin typeface="Montserrat" panose="00000500000000000000"/>
+                <a:ea typeface="Montserrat" panose="00000500000000000000"/>
+                <a:cs typeface="Montserrat" panose="00000500000000000000"/>
+                <a:sym typeface="Montserrat" panose="00000500000000000000"/>
+              </a:defRPr>
+            </a:lvl5pPr>
+            <a:lvl6pPr marR="0" lvl="5" algn="l" rtl="0">
+              <a:lnSpc>
+                <a:spcPct val="100000"/>
+              </a:lnSpc>
+              <a:spcBef>
+                <a:spcPts val="0"/>
+              </a:spcBef>
+              <a:spcAft>
+                <a:spcPts val="0"/>
+              </a:spcAft>
+              <a:buClr>
+                <a:schemeClr val="lt1"/>
+              </a:buClr>
+              <a:buSzPts val="2400"/>
+              <a:buFont typeface="Montserrat" panose="00000500000000000000"/>
+              <a:buNone/>
+              <a:defRPr sz="2400" b="0" i="0" u="none" strike="noStrike" cap="none">
+                <a:solidFill>
+                  <a:schemeClr val="lt1"/>
+                </a:solidFill>
+                <a:latin typeface="Montserrat" panose="00000500000000000000"/>
+                <a:ea typeface="Montserrat" panose="00000500000000000000"/>
+                <a:cs typeface="Montserrat" panose="00000500000000000000"/>
+                <a:sym typeface="Montserrat" panose="00000500000000000000"/>
+              </a:defRPr>
+            </a:lvl6pPr>
+            <a:lvl7pPr marR="0" lvl="6" algn="l" rtl="0">
+              <a:lnSpc>
+                <a:spcPct val="100000"/>
+              </a:lnSpc>
+              <a:spcBef>
+                <a:spcPts val="0"/>
+              </a:spcBef>
+              <a:spcAft>
+                <a:spcPts val="0"/>
+              </a:spcAft>
+              <a:buClr>
+                <a:schemeClr val="lt1"/>
+              </a:buClr>
+              <a:buSzPts val="2400"/>
+              <a:buFont typeface="Montserrat" panose="00000500000000000000"/>
+              <a:buNone/>
+              <a:defRPr sz="2400" b="0" i="0" u="none" strike="noStrike" cap="none">
+                <a:solidFill>
+                  <a:schemeClr val="lt1"/>
+                </a:solidFill>
+                <a:latin typeface="Montserrat" panose="00000500000000000000"/>
+                <a:ea typeface="Montserrat" panose="00000500000000000000"/>
+                <a:cs typeface="Montserrat" panose="00000500000000000000"/>
+                <a:sym typeface="Montserrat" panose="00000500000000000000"/>
+              </a:defRPr>
+            </a:lvl7pPr>
+            <a:lvl8pPr marR="0" lvl="7" algn="l" rtl="0">
+              <a:lnSpc>
+                <a:spcPct val="100000"/>
+              </a:lnSpc>
+              <a:spcBef>
+                <a:spcPts val="0"/>
+              </a:spcBef>
+              <a:spcAft>
+                <a:spcPts val="0"/>
+              </a:spcAft>
+              <a:buClr>
+                <a:schemeClr val="lt1"/>
+              </a:buClr>
+              <a:buSzPts val="2400"/>
+              <a:buFont typeface="Montserrat" panose="00000500000000000000"/>
+              <a:buNone/>
+              <a:defRPr sz="2400" b="0" i="0" u="none" strike="noStrike" cap="none">
+                <a:solidFill>
+                  <a:schemeClr val="lt1"/>
+                </a:solidFill>
+                <a:latin typeface="Montserrat" panose="00000500000000000000"/>
+                <a:ea typeface="Montserrat" panose="00000500000000000000"/>
+                <a:cs typeface="Montserrat" panose="00000500000000000000"/>
+                <a:sym typeface="Montserrat" panose="00000500000000000000"/>
+              </a:defRPr>
+            </a:lvl8pPr>
+            <a:lvl9pPr marR="0" lvl="8" algn="l" rtl="0">
+              <a:lnSpc>
+                <a:spcPct val="100000"/>
+              </a:lnSpc>
+              <a:spcBef>
+                <a:spcPts val="0"/>
+              </a:spcBef>
+              <a:spcAft>
+                <a:spcPts val="0"/>
+              </a:spcAft>
+              <a:buClr>
+                <a:schemeClr val="lt1"/>
+              </a:buClr>
+              <a:buSzPts val="2400"/>
+              <a:buFont typeface="Montserrat" panose="00000500000000000000"/>
+              <a:buNone/>
+              <a:defRPr sz="2400" b="0" i="0" u="none" strike="noStrike" cap="none">
+                <a:solidFill>
+                  <a:schemeClr val="lt1"/>
+                </a:solidFill>
+                <a:latin typeface="Montserrat" panose="00000500000000000000"/>
+                <a:ea typeface="Montserrat" panose="00000500000000000000"/>
+                <a:cs typeface="Montserrat" panose="00000500000000000000"/>
+                <a:sym typeface="Montserrat" panose="00000500000000000000"/>
+              </a:defRPr>
+            </a:lvl9pPr>
+          </a:lstStyle>
+          <a:p>
+            <a:pPr marL="0" lvl="0" indent="0" algn="l" rtl="0">
+              <a:spcBef>
+                <a:spcPts val="0"/>
+              </a:spcBef>
+              <a:spcAft>
+                <a:spcPts val="0"/>
+              </a:spcAft>
+              <a:buNone/>
+            </a:pPr>
+            <a:r>
+              <a:rPr lang="es-EC" altLang="en-US"/>
+              <a:t>Segundo Sprint</a:t>
+            </a:r>
+            <a:endParaRPr lang="es-EC" altLang="en-US"/>
+          </a:p>
+        </p:txBody>
+      </p:sp>
+      <p:pic>
+        <p:nvPicPr>
+          <p:cNvPr id="8" name="Google Shape;150;p15"/>
+          <p:cNvPicPr preferRelativeResize="0"/>
+          <p:nvPr/>
+        </p:nvPicPr>
+        <p:blipFill>
+          <a:blip r:embed="rId2"/>
+          <a:srcRect l="24062" t="6311" r="22250" b="6311"/>
+          <a:stretch>
+            <a:fillRect/>
+          </a:stretch>
+        </p:blipFill>
+        <p:spPr>
+          <a:xfrm>
+            <a:off x="1724660" y="1858645"/>
+            <a:ext cx="1360170" cy="1951990"/>
+          </a:xfrm>
+          <a:prstGeom prst="rect">
+            <a:avLst/>
+          </a:prstGeom>
+          <a:noFill/>
+          <a:ln>
+            <a:noFill/>
+          </a:ln>
+        </p:spPr>
+      </p:pic>
+    </p:spTree>
+  </p:cSld>
+  <p:clrMapOvr>
+    <a:masterClrMapping/>
+  </p:clrMapOvr>
+  <mc:AlternateContent xmlns:mc="http://schemas.openxmlformats.org/markup-compatibility/2006">
+    <mc:Choice xmlns:p14="http://schemas.microsoft.com/office/powerpoint/2010/main" Requires="p14">
+      <p:transition spd="slow" p14:dur="1700">
+        <p14:flip dir="l"/>
+      </p:transition>
+    </mc:Choice>
+    <mc:Fallback>
+      <p:transition spd="slow">
+        <p:fade/>
+      </p:transition>
+    </mc:Fallback>
+  </mc:AlternateContent>
+  <p:timing>
+    <p:tnLst>
+      <p:par>
+        <p:cTn id="1" dur="indefinite" restart="never" nodeType="tmRoot">
+          <p:childTnLst>
+            <p:seq concurrent="1" nextAc="seek">
+              <p:cTn id="2" dur="indefinite" nodeType="mainSeq">
+                <p:childTnLst>
+                  <p:par>
+                    <p:cTn id="3" fill="hold">
+                      <p:stCondLst>
+                        <p:cond delay="indefinite"/>
+                        <p:cond evt="onBegin" delay="0">
+                          <p:tn val="2"/>
+                        </p:cond>
+                      </p:stCondLst>
+                      <p:childTnLst>
+                        <p:par>
+                          <p:cTn id="4" fill="hold">
+                            <p:stCondLst>
+                              <p:cond delay="0"/>
+                            </p:stCondLst>
+                            <p:childTnLst>
+                              <p:par>
+                                <p:cTn id="5" presetID="22" presetClass="entr" presetSubtype="8" fill="hold" grpId="2" nodeType="withEffect">
+                                  <p:stCondLst>
+                                    <p:cond delay="0"/>
+                                  </p:stCondLst>
+                                  <p:childTnLst>
+                                    <p:set>
+                                      <p:cBhvr>
+                                        <p:cTn id="6" dur="1" fill="hold">
+                                          <p:stCondLst>
+                                            <p:cond delay="0"/>
+                                          </p:stCondLst>
+                                        </p:cTn>
+                                        <p:tgtEl>
+                                          <p:spTgt spid="156"/>
+                                        </p:tgtEl>
+                                        <p:attrNameLst>
+                                          <p:attrName>style.visibility</p:attrName>
+                                        </p:attrNameLst>
+                                      </p:cBhvr>
+                                      <p:to>
+                                        <p:strVal val="visible"/>
+                                      </p:to>
+                                    </p:set>
+                                    <p:animEffect transition="in" filter="wipe(left)">
+                                      <p:cBhvr>
+                                        <p:cTn id="7" dur="500"/>
+                                        <p:tgtEl>
+                                          <p:spTgt spid="156"/>
+                                        </p:tgtEl>
+                                      </p:cBhvr>
+                                    </p:animEffect>
+                                  </p:childTnLst>
+                                </p:cTn>
+                              </p:par>
+                            </p:childTnLst>
+                          </p:cTn>
+                        </p:par>
+                        <p:par>
+                          <p:cTn id="8" fill="hold">
+                            <p:stCondLst>
+                              <p:cond delay="500"/>
+                            </p:stCondLst>
+                            <p:childTnLst>
+                              <p:par>
+                                <p:cTn id="9" presetID="10" presetClass="entr" presetSubtype="0" fill="hold" nodeType="afterEffect">
+                                  <p:stCondLst>
+                                    <p:cond delay="0"/>
+                                  </p:stCondLst>
+                                  <p:childTnLst>
+                                    <p:set>
+                                      <p:cBhvr>
+                                        <p:cTn id="10" dur="1" fill="hold">
+                                          <p:stCondLst>
+                                            <p:cond delay="0"/>
+                                          </p:stCondLst>
+                                        </p:cTn>
+                                        <p:tgtEl>
+                                          <p:spTgt spid="6"/>
+                                        </p:tgtEl>
+                                        <p:attrNameLst>
+                                          <p:attrName>style.visibility</p:attrName>
+                                        </p:attrNameLst>
+                                      </p:cBhvr>
+                                      <p:to>
+                                        <p:strVal val="visible"/>
+                                      </p:to>
+                                    </p:set>
+                                    <p:animEffect transition="in" filter="fade">
+                                      <p:cBhvr>
+                                        <p:cTn id="11" dur="1000"/>
+                                        <p:tgtEl>
+                                          <p:spTgt spid="6"/>
+                                        </p:tgtEl>
+                                      </p:cBhvr>
+                                    </p:animEffect>
+                                  </p:childTnLst>
+                                </p:cTn>
+                              </p:par>
+                            </p:childTnLst>
+                          </p:cTn>
+                        </p:par>
+                        <p:par>
+                          <p:cTn id="12" fill="hold">
+                            <p:stCondLst>
+                              <p:cond delay="1500"/>
+                            </p:stCondLst>
+                            <p:childTnLst>
+                              <p:par>
+                                <p:cTn id="13" presetID="10" presetClass="entr" presetSubtype="0" fill="hold" nodeType="afterEffect">
+                                  <p:stCondLst>
+                                    <p:cond delay="0"/>
+                                  </p:stCondLst>
+                                  <p:childTnLst>
+                                    <p:set>
+                                      <p:cBhvr>
+                                        <p:cTn id="14" dur="1" fill="hold">
+                                          <p:stCondLst>
+                                            <p:cond delay="0"/>
+                                          </p:stCondLst>
+                                        </p:cTn>
+                                        <p:tgtEl>
+                                          <p:spTgt spid="134"/>
+                                        </p:tgtEl>
+                                        <p:attrNameLst>
+                                          <p:attrName>style.visibility</p:attrName>
+                                        </p:attrNameLst>
+                                      </p:cBhvr>
+                                      <p:to>
+                                        <p:strVal val="visible"/>
+                                      </p:to>
+                                    </p:set>
+                                    <p:animEffect transition="in" filter="fade">
+                                      <p:cBhvr>
+                                        <p:cTn id="15" dur="2000"/>
+                                        <p:tgtEl>
+                                          <p:spTgt spid="134"/>
+                                        </p:tgtEl>
+                                      </p:cBhvr>
+                                    </p:animEffect>
+                                  </p:childTnLst>
+                                </p:cTn>
+                              </p:par>
+                              <p:par>
+                                <p:cTn id="16" presetID="23" presetClass="entr" presetSubtype="16" fill="hold" nodeType="withEffect">
+                                  <p:stCondLst>
+                                    <p:cond delay="0"/>
+                                  </p:stCondLst>
+                                  <p:childTnLst>
+                                    <p:set>
+                                      <p:cBhvr>
+                                        <p:cTn id="17" dur="1" fill="hold">
+                                          <p:stCondLst>
+                                            <p:cond delay="0"/>
+                                          </p:stCondLst>
+                                        </p:cTn>
+                                        <p:tgtEl>
+                                          <p:spTgt spid="8"/>
+                                        </p:tgtEl>
+                                        <p:attrNameLst>
+                                          <p:attrName>style.visibility</p:attrName>
+                                        </p:attrNameLst>
+                                      </p:cBhvr>
+                                      <p:to>
+                                        <p:strVal val="visible"/>
+                                      </p:to>
+                                    </p:set>
+                                    <p:anim calcmode="lin" valueType="num">
+                                      <p:cBhvr additive="base">
+                                        <p:cTn id="18" dur="2000"/>
+                                        <p:tgtEl>
+                                          <p:spTgt spid="8"/>
+                                        </p:tgtEl>
+                                        <p:attrNameLst>
+                                          <p:attrName>ppt_w</p:attrName>
+                                        </p:attrNameLst>
+                                      </p:cBhvr>
+                                      <p:tavLst>
+                                        <p:tav tm="0" fmla="">
+                                          <p:val>
+                                            <p:fltVal val="0"/>
+                                          </p:val>
+                                        </p:tav>
+                                        <p:tav tm="100000" fmla="">
+                                          <p:val>
+                                            <p:strVal val="#ppt_w"/>
+                                          </p:val>
+                                        </p:tav>
+                                      </p:tavLst>
+                                    </p:anim>
+                                    <p:anim calcmode="lin" valueType="num">
+                                      <p:cBhvr additive="base">
+                                        <p:cTn id="19" dur="2000"/>
+                                        <p:tgtEl>
+                                          <p:spTgt spid="8"/>
+                                        </p:tgtEl>
+                                        <p:attrNameLst>
+                                          <p:attrName>ppt_h</p:attrName>
+                                        </p:attrNameLst>
+                                      </p:cBhvr>
+                                      <p:tavLst>
+                                        <p:tav tm="0" fmla="">
+                                          <p:val>
+                                            <p:fltVal val="0"/>
+                                          </p:val>
+                                        </p:tav>
+                                        <p:tav tm="100000" fmla="">
+                                          <p:val>
+                                            <p:strVal val="#ppt_h"/>
+                                          </p:val>
+                                        </p:tav>
+                                      </p:tavLst>
+                                    </p:anim>
+                                  </p:childTnLst>
+                                </p:cTn>
+                              </p:par>
+                            </p:childTnLst>
+                          </p:cTn>
+                        </p:par>
+                        <p:par>
+                          <p:cTn id="20" fill="hold">
+                            <p:stCondLst>
+                              <p:cond delay="3500"/>
+                            </p:stCondLst>
+                            <p:childTnLst>
+                              <p:par>
+                                <p:cTn id="21" presetID="10" presetClass="entr" presetSubtype="0" fill="hold" nodeType="afterEffect">
+                                  <p:stCondLst>
+                                    <p:cond delay="0"/>
+                                  </p:stCondLst>
+                                  <p:childTnLst>
+                                    <p:set>
+                                      <p:cBhvr>
+                                        <p:cTn id="22" dur="1" fill="hold">
+                                          <p:stCondLst>
+                                            <p:cond delay="0"/>
+                                          </p:stCondLst>
+                                        </p:cTn>
+                                        <p:tgtEl>
+                                          <p:spTgt spid="7"/>
+                                        </p:tgtEl>
+                                        <p:attrNameLst>
+                                          <p:attrName>style.visibility</p:attrName>
+                                        </p:attrNameLst>
+                                      </p:cBhvr>
+                                      <p:to>
+                                        <p:strVal val="visible"/>
+                                      </p:to>
+                                    </p:set>
+                                    <p:animEffect transition="in" filter="fade">
+                                      <p:cBhvr>
+                                        <p:cTn id="23" dur="1000"/>
+                                        <p:tgtEl>
+                                          <p:spTgt spid="7"/>
+                                        </p:tgtEl>
+                                      </p:cBhvr>
+                                    </p:animEffect>
+                                  </p:childTnLst>
+                                </p:cTn>
+                              </p:par>
+                            </p:childTnLst>
+                          </p:cTn>
+                        </p:par>
+                        <p:par>
+                          <p:cTn id="24" fill="hold">
+                            <p:stCondLst>
+                              <p:cond delay="4500"/>
+                            </p:stCondLst>
+                            <p:childTnLst>
+                              <p:par>
+                                <p:cTn id="25" presetID="10" presetClass="entr" presetSubtype="0" fill="hold" nodeType="afterEffect">
+                                  <p:stCondLst>
+                                    <p:cond delay="0"/>
+                                  </p:stCondLst>
+                                  <p:childTnLst>
+                                    <p:set>
+                                      <p:cBhvr>
+                                        <p:cTn id="26" dur="1" fill="hold">
+                                          <p:stCondLst>
+                                            <p:cond delay="0"/>
+                                          </p:stCondLst>
+                                        </p:cTn>
+                                        <p:tgtEl>
+                                          <p:spTgt spid="5"/>
+                                        </p:tgtEl>
+                                        <p:attrNameLst>
+                                          <p:attrName>style.visibility</p:attrName>
+                                        </p:attrNameLst>
+                                      </p:cBhvr>
+                                      <p:to>
+                                        <p:strVal val="visible"/>
+                                      </p:to>
+                                    </p:set>
+                                    <p:animEffect transition="in" filter="fade">
+                                      <p:cBhvr>
+                                        <p:cTn id="27" dur="2000"/>
+                                        <p:tgtEl>
+                                          <p:spTgt spid="5"/>
+                                        </p:tgtEl>
+                                      </p:cBhvr>
+                                    </p:animEffect>
+                                  </p:childTnLst>
+                                </p:cTn>
+                              </p:par>
+                            </p:childTnLst>
+                          </p:cTn>
+                        </p:par>
+                        <p:par>
+                          <p:cTn id="28" fill="hold">
+                            <p:stCondLst>
+                              <p:cond delay="6500"/>
+                            </p:stCondLst>
+                            <p:childTnLst>
+                              <p:par>
+                                <p:cTn id="29" presetID="23" presetClass="entr" presetSubtype="16" fill="hold" nodeType="afterEffect">
+                                  <p:stCondLst>
+                                    <p:cond delay="0"/>
+                                  </p:stCondLst>
+                                  <p:childTnLst>
+                                    <p:set>
+                                      <p:cBhvr>
+                                        <p:cTn id="30" dur="1" fill="hold">
+                                          <p:stCondLst>
+                                            <p:cond delay="0"/>
+                                          </p:stCondLst>
+                                        </p:cTn>
+                                        <p:tgtEl>
+                                          <p:spTgt spid="141"/>
+                                        </p:tgtEl>
+                                        <p:attrNameLst>
+                                          <p:attrName>style.visibility</p:attrName>
+                                        </p:attrNameLst>
+                                      </p:cBhvr>
+                                      <p:to>
+                                        <p:strVal val="visible"/>
+                                      </p:to>
+                                    </p:set>
+                                    <p:anim calcmode="lin" valueType="num">
+                                      <p:cBhvr additive="base">
+                                        <p:cTn id="31" dur="1000"/>
+                                        <p:tgtEl>
+                                          <p:spTgt spid="141"/>
+                                        </p:tgtEl>
+                                        <p:attrNameLst>
+                                          <p:attrName>ppt_w</p:attrName>
+                                        </p:attrNameLst>
+                                      </p:cBhvr>
+                                      <p:tavLst>
+                                        <p:tav tm="0" fmla="">
+                                          <p:val>
+                                            <p:fltVal val="0"/>
+                                          </p:val>
+                                        </p:tav>
+                                        <p:tav tm="100000" fmla="">
+                                          <p:val>
+                                            <p:strVal val="#ppt_w"/>
+                                          </p:val>
+                                        </p:tav>
+                                      </p:tavLst>
+                                    </p:anim>
+                                    <p:anim calcmode="lin" valueType="num">
+                                      <p:cBhvr additive="base">
+                                        <p:cTn id="32" dur="1000"/>
+                                        <p:tgtEl>
+                                          <p:spTgt spid="141"/>
+                                        </p:tgtEl>
+                                        <p:attrNameLst>
+                                          <p:attrName>ppt_h</p:attrName>
+                                        </p:attrNameLst>
+                                      </p:cBhvr>
+                                      <p:tavLst>
+                                        <p:tav tm="0" fmla="">
+                                          <p:val>
+                                            <p:fltVal val="0"/>
+                                          </p:val>
+                                        </p:tav>
+                                        <p:tav tm="100000" fmla="">
+                                          <p:val>
+                                            <p:strVal val="#ppt_h"/>
+                                          </p:val>
+                                        </p:tav>
+                                      </p:tavLst>
+                                    </p:anim>
+                                  </p:childTnLst>
+                                </p:cTn>
+                              </p:par>
+                            </p:childTnLst>
+                          </p:cTn>
+                        </p:par>
+                      </p:childTnLst>
+                    </p:cTn>
+                  </p:par>
+                </p:childTnLst>
+              </p:cTn>
+              <p:prevCondLst>
+                <p:cond evt="onPrev">
+                  <p:tgtEl>
+                    <p:sldTgt/>
+                  </p:tgtEl>
+                </p:cond>
+              </p:prevCondLst>
+              <p:nextCondLst>
+                <p:cond evt="onNext">
+                  <p:tgtEl>
+                    <p:sldTgt/>
+                  </p:tgtEl>
+                </p:cond>
+              </p:nextCondLst>
+            </p:seq>
+          </p:childTnLst>
+        </p:cTn>
+      </p:par>
+    </p:tnLst>
+    <p:bldLst>
+      <p:bldP spid="156" grpId="2"/>
+    </p:bldLst>
+  </p:timing>
+</p:sld>
+</file>
+
+<file path=ppt/slides/slide7.xml><?xml version="1.0" encoding="utf-8"?>
+<p:sld xmlns:a="http://schemas.openxmlformats.org/drawingml/2006/main" xmlns:r="http://schemas.openxmlformats.org/officeDocument/2006/relationships" xmlns:p="http://schemas.openxmlformats.org/presentationml/2006/main">
+  <p:cSld>
+    <p:spTree>
+      <p:nvGrpSpPr>
+        <p:cNvPr id="1" name=""/>
+        <p:cNvGrpSpPr/>
+        <p:nvPr/>
+      </p:nvGrpSpPr>
+      <p:grpSpPr/>
+      <p:sp>
+        <p:nvSpPr>
+          <p:cNvPr id="156" name="Google Shape;156;p16"/>
+          <p:cNvSpPr txBox="1"/>
+          <p:nvPr/>
+        </p:nvSpPr>
+        <p:spPr>
+          <a:xfrm>
+            <a:off x="3098800" y="419100"/>
+            <a:ext cx="2947670" cy="566420"/>
+          </a:xfrm>
+          <a:prstGeom prst="rect">
+            <a:avLst/>
+          </a:prstGeom>
+          <a:noFill/>
+          <a:ln>
+            <a:noFill/>
+          </a:ln>
+        </p:spPr>
+        <p:txBody>
+          <a:bodyPr wrap="square" lIns="91425" tIns="91425" rIns="91425" bIns="91425" anchor="t" anchorCtr="0">
+            <a:noAutofit/>
+          </a:bodyPr>
+          <a:lstStyle>
+            <a:defPPr marR="0" lvl="0" algn="l" rtl="0">
+              <a:lnSpc>
+                <a:spcPct val="100000"/>
+              </a:lnSpc>
+              <a:spcBef>
+                <a:spcPts val="0"/>
+              </a:spcBef>
+              <a:spcAft>
+                <a:spcPts val="0"/>
+              </a:spcAft>
+            </a:defPPr>
+            <a:lvl1pPr marR="0" lvl="0" algn="l" rtl="0">
+              <a:lnSpc>
+                <a:spcPct val="100000"/>
+              </a:lnSpc>
+              <a:spcBef>
+                <a:spcPts val="0"/>
+              </a:spcBef>
+              <a:spcAft>
+                <a:spcPts val="0"/>
+              </a:spcAft>
+              <a:buClr>
+                <a:schemeClr val="lt1"/>
+              </a:buClr>
+              <a:buSzPts val="2400"/>
+              <a:buFont typeface="Montserrat" panose="00000500000000000000"/>
+              <a:buNone/>
+              <a:defRPr sz="2400" b="0" i="0" u="none" strike="noStrike" cap="none">
+                <a:solidFill>
+                  <a:schemeClr val="lt1"/>
+                </a:solidFill>
+                <a:latin typeface="Montserrat" panose="00000500000000000000"/>
+                <a:ea typeface="Montserrat" panose="00000500000000000000"/>
+                <a:cs typeface="Montserrat" panose="00000500000000000000"/>
+                <a:sym typeface="Montserrat" panose="00000500000000000000"/>
+              </a:defRPr>
+            </a:lvl1pPr>
+            <a:lvl2pPr marR="0" lvl="1" algn="l" rtl="0">
+              <a:lnSpc>
+                <a:spcPct val="100000"/>
+              </a:lnSpc>
+              <a:spcBef>
+                <a:spcPts val="0"/>
+              </a:spcBef>
+              <a:spcAft>
+                <a:spcPts val="0"/>
+              </a:spcAft>
+              <a:buClr>
+                <a:schemeClr val="lt1"/>
+              </a:buClr>
+              <a:buSzPts val="2400"/>
+              <a:buFont typeface="Montserrat" panose="00000500000000000000"/>
+              <a:buNone/>
+              <a:defRPr sz="2400" b="0" i="0" u="none" strike="noStrike" cap="none">
+                <a:solidFill>
+                  <a:schemeClr val="lt1"/>
+                </a:solidFill>
+                <a:latin typeface="Montserrat" panose="00000500000000000000"/>
+                <a:ea typeface="Montserrat" panose="00000500000000000000"/>
+                <a:cs typeface="Montserrat" panose="00000500000000000000"/>
+                <a:sym typeface="Montserrat" panose="00000500000000000000"/>
+              </a:defRPr>
+            </a:lvl2pPr>
+            <a:lvl3pPr marR="0" lvl="2" algn="l" rtl="0">
+              <a:lnSpc>
+                <a:spcPct val="100000"/>
+              </a:lnSpc>
+              <a:spcBef>
+                <a:spcPts val="0"/>
+              </a:spcBef>
+              <a:spcAft>
+                <a:spcPts val="0"/>
+              </a:spcAft>
+              <a:buClr>
+                <a:schemeClr val="lt1"/>
+              </a:buClr>
+              <a:buSzPts val="2400"/>
+              <a:buFont typeface="Montserrat" panose="00000500000000000000"/>
+              <a:buNone/>
+              <a:defRPr sz="2400" b="0" i="0" u="none" strike="noStrike" cap="none">
+                <a:solidFill>
+                  <a:schemeClr val="lt1"/>
+                </a:solidFill>
+                <a:latin typeface="Montserrat" panose="00000500000000000000"/>
+                <a:ea typeface="Montserrat" panose="00000500000000000000"/>
+                <a:cs typeface="Montserrat" panose="00000500000000000000"/>
+                <a:sym typeface="Montserrat" panose="00000500000000000000"/>
+              </a:defRPr>
+            </a:lvl3pPr>
+            <a:lvl4pPr marR="0" lvl="3" algn="l" rtl="0">
+              <a:lnSpc>
+                <a:spcPct val="100000"/>
+              </a:lnSpc>
+              <a:spcBef>
+                <a:spcPts val="0"/>
+              </a:spcBef>
+              <a:spcAft>
+                <a:spcPts val="0"/>
+              </a:spcAft>
+              <a:buClr>
+                <a:schemeClr val="lt1"/>
+              </a:buClr>
+              <a:buSzPts val="2400"/>
+              <a:buFont typeface="Montserrat" panose="00000500000000000000"/>
+              <a:buNone/>
+              <a:defRPr sz="2400" b="0" i="0" u="none" strike="noStrike" cap="none">
+                <a:solidFill>
+                  <a:schemeClr val="lt1"/>
+                </a:solidFill>
+                <a:latin typeface="Montserrat" panose="00000500000000000000"/>
+                <a:ea typeface="Montserrat" panose="00000500000000000000"/>
+                <a:cs typeface="Montserrat" panose="00000500000000000000"/>
+                <a:sym typeface="Montserrat" panose="00000500000000000000"/>
+              </a:defRPr>
+            </a:lvl4pPr>
+            <a:lvl5pPr marR="0" lvl="4" algn="l" rtl="0">
+              <a:lnSpc>
+                <a:spcPct val="100000"/>
+              </a:lnSpc>
+              <a:spcBef>
+                <a:spcPts val="0"/>
+              </a:spcBef>
+              <a:spcAft>
+                <a:spcPts val="0"/>
+              </a:spcAft>
+              <a:buClr>
+                <a:schemeClr val="lt1"/>
+              </a:buClr>
+              <a:buSzPts val="2400"/>
+              <a:buFont typeface="Montserrat" panose="00000500000000000000"/>
+              <a:buNone/>
+              <a:defRPr sz="2400" b="0" i="0" u="none" strike="noStrike" cap="none">
+                <a:solidFill>
+                  <a:schemeClr val="lt1"/>
+                </a:solidFill>
+                <a:latin typeface="Montserrat" panose="00000500000000000000"/>
+                <a:ea typeface="Montserrat" panose="00000500000000000000"/>
+                <a:cs typeface="Montserrat" panose="00000500000000000000"/>
+                <a:sym typeface="Montserrat" panose="00000500000000000000"/>
+              </a:defRPr>
+            </a:lvl5pPr>
+            <a:lvl6pPr marR="0" lvl="5" algn="l" rtl="0">
+              <a:lnSpc>
+                <a:spcPct val="100000"/>
+              </a:lnSpc>
+              <a:spcBef>
+                <a:spcPts val="0"/>
+              </a:spcBef>
+              <a:spcAft>
+                <a:spcPts val="0"/>
+              </a:spcAft>
+              <a:buClr>
+                <a:schemeClr val="lt1"/>
+              </a:buClr>
+              <a:buSzPts val="2400"/>
+              <a:buFont typeface="Montserrat" panose="00000500000000000000"/>
+              <a:buNone/>
+              <a:defRPr sz="2400" b="0" i="0" u="none" strike="noStrike" cap="none">
+                <a:solidFill>
+                  <a:schemeClr val="lt1"/>
+                </a:solidFill>
+                <a:latin typeface="Montserrat" panose="00000500000000000000"/>
+                <a:ea typeface="Montserrat" panose="00000500000000000000"/>
+                <a:cs typeface="Montserrat" panose="00000500000000000000"/>
+                <a:sym typeface="Montserrat" panose="00000500000000000000"/>
+              </a:defRPr>
+            </a:lvl6pPr>
+            <a:lvl7pPr marR="0" lvl="6" algn="l" rtl="0">
+              <a:lnSpc>
+                <a:spcPct val="100000"/>
+              </a:lnSpc>
+              <a:spcBef>
+                <a:spcPts val="0"/>
+              </a:spcBef>
+              <a:spcAft>
+                <a:spcPts val="0"/>
+              </a:spcAft>
+              <a:buClr>
+                <a:schemeClr val="lt1"/>
+              </a:buClr>
+              <a:buSzPts val="2400"/>
+              <a:buFont typeface="Montserrat" panose="00000500000000000000"/>
+              <a:buNone/>
+              <a:defRPr sz="2400" b="0" i="0" u="none" strike="noStrike" cap="none">
+                <a:solidFill>
+                  <a:schemeClr val="lt1"/>
+                </a:solidFill>
+                <a:latin typeface="Montserrat" panose="00000500000000000000"/>
+                <a:ea typeface="Montserrat" panose="00000500000000000000"/>
+                <a:cs typeface="Montserrat" panose="00000500000000000000"/>
+                <a:sym typeface="Montserrat" panose="00000500000000000000"/>
+              </a:defRPr>
+            </a:lvl7pPr>
+            <a:lvl8pPr marR="0" lvl="7" algn="l" rtl="0">
+              <a:lnSpc>
+                <a:spcPct val="100000"/>
+              </a:lnSpc>
+              <a:spcBef>
+                <a:spcPts val="0"/>
+              </a:spcBef>
+              <a:spcAft>
+                <a:spcPts val="0"/>
+              </a:spcAft>
+              <a:buClr>
+                <a:schemeClr val="lt1"/>
+              </a:buClr>
+              <a:buSzPts val="2400"/>
+              <a:buFont typeface="Montserrat" panose="00000500000000000000"/>
+              <a:buNone/>
+              <a:defRPr sz="2400" b="0" i="0" u="none" strike="noStrike" cap="none">
+                <a:solidFill>
+                  <a:schemeClr val="lt1"/>
+                </a:solidFill>
+                <a:latin typeface="Montserrat" panose="00000500000000000000"/>
+                <a:ea typeface="Montserrat" panose="00000500000000000000"/>
+                <a:cs typeface="Montserrat" panose="00000500000000000000"/>
+                <a:sym typeface="Montserrat" panose="00000500000000000000"/>
+              </a:defRPr>
+            </a:lvl8pPr>
+            <a:lvl9pPr marR="0" lvl="8" algn="l" rtl="0">
+              <a:lnSpc>
+                <a:spcPct val="100000"/>
+              </a:lnSpc>
+              <a:spcBef>
+                <a:spcPts val="0"/>
+              </a:spcBef>
+              <a:spcAft>
+                <a:spcPts val="0"/>
+              </a:spcAft>
+              <a:buClr>
+                <a:schemeClr val="lt1"/>
+              </a:buClr>
+              <a:buSzPts val="2400"/>
+              <a:buFont typeface="Montserrat" panose="00000500000000000000"/>
+              <a:buNone/>
+              <a:defRPr sz="2400" b="0" i="0" u="none" strike="noStrike" cap="none">
+                <a:solidFill>
+                  <a:schemeClr val="lt1"/>
+                </a:solidFill>
+                <a:latin typeface="Montserrat" panose="00000500000000000000"/>
+                <a:ea typeface="Montserrat" panose="00000500000000000000"/>
+                <a:cs typeface="Montserrat" panose="00000500000000000000"/>
+                <a:sym typeface="Montserrat" panose="00000500000000000000"/>
+              </a:defRPr>
+            </a:lvl9pPr>
+          </a:lstStyle>
+          <a:p>
+            <a:pPr marL="0" lvl="0" indent="0" algn="l" rtl="0">
+              <a:spcBef>
+                <a:spcPts val="0"/>
+              </a:spcBef>
+              <a:spcAft>
+                <a:spcPts val="0"/>
+              </a:spcAft>
+              <a:buNone/>
+            </a:pPr>
+            <a:r>
+              <a:rPr lang="es-EC" altLang="es-ES" sz="3200">
+                <a:sym typeface="+mn-ea"/>
+              </a:rPr>
+              <a:t>Conclusiones</a:t>
+            </a:r>
+            <a:endParaRPr lang="es-EC" altLang="es-ES" sz="2800"/>
+          </a:p>
+          <a:p>
+            <a:pPr marL="0" lvl="0" indent="0" algn="l" rtl="0">
+              <a:spcBef>
+                <a:spcPts val="0"/>
+              </a:spcBef>
+              <a:spcAft>
+                <a:spcPts val="0"/>
+              </a:spcAft>
+              <a:buNone/>
+            </a:pPr>
+            <a:endParaRPr lang="es-EC" sz="2800"/>
+          </a:p>
+        </p:txBody>
+      </p:sp>
+      <p:sp>
+        <p:nvSpPr>
+          <p:cNvPr id="4" name="Google Shape;156;p16"/>
+          <p:cNvSpPr txBox="1"/>
+          <p:nvPr/>
+        </p:nvSpPr>
+        <p:spPr>
+          <a:xfrm>
+            <a:off x="342265" y="1170305"/>
+            <a:ext cx="8458835" cy="3891280"/>
+          </a:xfrm>
+          <a:prstGeom prst="rect">
+            <a:avLst/>
+          </a:prstGeom>
+          <a:noFill/>
+          <a:ln>
+            <a:noFill/>
+          </a:ln>
+        </p:spPr>
+        <p:txBody>
+          <a:bodyPr wrap="square" lIns="91425" tIns="91425" rIns="91425" bIns="91425" anchor="t" anchorCtr="0">
+            <a:noAutofit/>
+          </a:bodyPr>
+          <a:lstStyle>
+            <a:defPPr marR="0" lvl="0" algn="l" rtl="0">
+              <a:lnSpc>
+                <a:spcPct val="100000"/>
+              </a:lnSpc>
+              <a:spcBef>
+                <a:spcPts val="0"/>
+              </a:spcBef>
+              <a:spcAft>
+                <a:spcPts val="0"/>
+              </a:spcAft>
+            </a:defPPr>
+            <a:lvl1pPr marR="0" lvl="0" algn="l" rtl="0">
+              <a:lnSpc>
+                <a:spcPct val="100000"/>
+              </a:lnSpc>
+              <a:spcBef>
+                <a:spcPts val="0"/>
+              </a:spcBef>
+              <a:spcAft>
+                <a:spcPts val="0"/>
+              </a:spcAft>
+              <a:buClr>
+                <a:schemeClr val="lt1"/>
+              </a:buClr>
+              <a:buSzPts val="2400"/>
+              <a:buFont typeface="Montserrat" panose="00000500000000000000"/>
+              <a:buNone/>
+              <a:defRPr sz="2400" b="0" i="0" u="none" strike="noStrike" cap="none">
+                <a:solidFill>
+                  <a:schemeClr val="lt1"/>
+                </a:solidFill>
+                <a:latin typeface="Montserrat" panose="00000500000000000000"/>
+                <a:ea typeface="Montserrat" panose="00000500000000000000"/>
+                <a:cs typeface="Montserrat" panose="00000500000000000000"/>
+                <a:sym typeface="Montserrat" panose="00000500000000000000"/>
+              </a:defRPr>
+            </a:lvl1pPr>
+            <a:lvl2pPr marR="0" lvl="1" algn="l" rtl="0">
+              <a:lnSpc>
+                <a:spcPct val="100000"/>
+              </a:lnSpc>
+              <a:spcBef>
+                <a:spcPts val="0"/>
+              </a:spcBef>
+              <a:spcAft>
+                <a:spcPts val="0"/>
+              </a:spcAft>
+              <a:buClr>
+                <a:schemeClr val="lt1"/>
+              </a:buClr>
+              <a:buSzPts val="2400"/>
+              <a:buFont typeface="Montserrat" panose="00000500000000000000"/>
+              <a:buNone/>
+              <a:defRPr sz="2400" b="0" i="0" u="none" strike="noStrike" cap="none">
+                <a:solidFill>
+                  <a:schemeClr val="lt1"/>
+                </a:solidFill>
+                <a:latin typeface="Montserrat" panose="00000500000000000000"/>
+                <a:ea typeface="Montserrat" panose="00000500000000000000"/>
+                <a:cs typeface="Montserrat" panose="00000500000000000000"/>
+                <a:sym typeface="Montserrat" panose="00000500000000000000"/>
+              </a:defRPr>
+            </a:lvl2pPr>
+            <a:lvl3pPr marR="0" lvl="2" algn="l" rtl="0">
+              <a:lnSpc>
+                <a:spcPct val="100000"/>
+              </a:lnSpc>
+              <a:spcBef>
+                <a:spcPts val="0"/>
+              </a:spcBef>
+              <a:spcAft>
+                <a:spcPts val="0"/>
+              </a:spcAft>
+              <a:buClr>
+                <a:schemeClr val="lt1"/>
+              </a:buClr>
+              <a:buSzPts val="2400"/>
+              <a:buFont typeface="Montserrat" panose="00000500000000000000"/>
+              <a:buNone/>
+              <a:defRPr sz="2400" b="0" i="0" u="none" strike="noStrike" cap="none">
+                <a:solidFill>
+                  <a:schemeClr val="lt1"/>
+                </a:solidFill>
+                <a:latin typeface="Montserrat" panose="00000500000000000000"/>
+                <a:ea typeface="Montserrat" panose="00000500000000000000"/>
+                <a:cs typeface="Montserrat" panose="00000500000000000000"/>
+                <a:sym typeface="Montserrat" panose="00000500000000000000"/>
+              </a:defRPr>
+            </a:lvl3pPr>
+            <a:lvl4pPr marR="0" lvl="3" algn="l" rtl="0">
+              <a:lnSpc>
+                <a:spcPct val="100000"/>
+              </a:lnSpc>
+              <a:spcBef>
+                <a:spcPts val="0"/>
+              </a:spcBef>
+              <a:spcAft>
+                <a:spcPts val="0"/>
+              </a:spcAft>
+              <a:buClr>
+                <a:schemeClr val="lt1"/>
+              </a:buClr>
+              <a:buSzPts val="2400"/>
+              <a:buFont typeface="Montserrat" panose="00000500000000000000"/>
+              <a:buNone/>
+              <a:defRPr sz="2400" b="0" i="0" u="none" strike="noStrike" cap="none">
+                <a:solidFill>
+                  <a:schemeClr val="lt1"/>
+                </a:solidFill>
+                <a:latin typeface="Montserrat" panose="00000500000000000000"/>
+                <a:ea typeface="Montserrat" panose="00000500000000000000"/>
+                <a:cs typeface="Montserrat" panose="00000500000000000000"/>
+                <a:sym typeface="Montserrat" panose="00000500000000000000"/>
+              </a:defRPr>
+            </a:lvl4pPr>
+            <a:lvl5pPr marR="0" lvl="4" algn="l" rtl="0">
+              <a:lnSpc>
+                <a:spcPct val="100000"/>
+              </a:lnSpc>
+              <a:spcBef>
+                <a:spcPts val="0"/>
+              </a:spcBef>
+              <a:spcAft>
+                <a:spcPts val="0"/>
+              </a:spcAft>
+              <a:buClr>
+                <a:schemeClr val="lt1"/>
+              </a:buClr>
+              <a:buSzPts val="2400"/>
+              <a:buFont typeface="Montserrat" panose="00000500000000000000"/>
+              <a:buNone/>
+              <a:defRPr sz="2400" b="0" i="0" u="none" strike="noStrike" cap="none">
+                <a:solidFill>
+                  <a:schemeClr val="lt1"/>
+                </a:solidFill>
+                <a:latin typeface="Montserrat" panose="00000500000000000000"/>
+                <a:ea typeface="Montserrat" panose="00000500000000000000"/>
+                <a:cs typeface="Montserrat" panose="00000500000000000000"/>
+                <a:sym typeface="Montserrat" panose="00000500000000000000"/>
+              </a:defRPr>
+            </a:lvl5pPr>
+            <a:lvl6pPr marR="0" lvl="5" algn="l" rtl="0">
+              <a:lnSpc>
+                <a:spcPct val="100000"/>
+              </a:lnSpc>
+              <a:spcBef>
+                <a:spcPts val="0"/>
+              </a:spcBef>
+              <a:spcAft>
+                <a:spcPts val="0"/>
+              </a:spcAft>
+              <a:buClr>
+                <a:schemeClr val="lt1"/>
+              </a:buClr>
+              <a:buSzPts val="2400"/>
+              <a:buFont typeface="Montserrat" panose="00000500000000000000"/>
+              <a:buNone/>
+              <a:defRPr sz="2400" b="0" i="0" u="none" strike="noStrike" cap="none">
+                <a:solidFill>
+                  <a:schemeClr val="lt1"/>
+                </a:solidFill>
+                <a:latin typeface="Montserrat" panose="00000500000000000000"/>
+                <a:ea typeface="Montserrat" panose="00000500000000000000"/>
+                <a:cs typeface="Montserrat" panose="00000500000000000000"/>
+                <a:sym typeface="Montserrat" panose="00000500000000000000"/>
+              </a:defRPr>
+            </a:lvl6pPr>
+            <a:lvl7pPr marR="0" lvl="6" algn="l" rtl="0">
+              <a:lnSpc>
+                <a:spcPct val="100000"/>
+              </a:lnSpc>
+              <a:spcBef>
+                <a:spcPts val="0"/>
+              </a:spcBef>
+              <a:spcAft>
+                <a:spcPts val="0"/>
+              </a:spcAft>
+              <a:buClr>
+                <a:schemeClr val="lt1"/>
+              </a:buClr>
+              <a:buSzPts val="2400"/>
+              <a:buFont typeface="Montserrat" panose="00000500000000000000"/>
+              <a:buNone/>
+              <a:defRPr sz="2400" b="0" i="0" u="none" strike="noStrike" cap="none">
+                <a:solidFill>
+                  <a:schemeClr val="lt1"/>
+                </a:solidFill>
+                <a:latin typeface="Montserrat" panose="00000500000000000000"/>
+                <a:ea typeface="Montserrat" panose="00000500000000000000"/>
+                <a:cs typeface="Montserrat" panose="00000500000000000000"/>
+                <a:sym typeface="Montserrat" panose="00000500000000000000"/>
+              </a:defRPr>
+            </a:lvl7pPr>
+            <a:lvl8pPr marR="0" lvl="7" algn="l" rtl="0">
+              <a:lnSpc>
+                <a:spcPct val="100000"/>
+              </a:lnSpc>
+              <a:spcBef>
+                <a:spcPts val="0"/>
+              </a:spcBef>
+              <a:spcAft>
+                <a:spcPts val="0"/>
+              </a:spcAft>
+              <a:buClr>
+                <a:schemeClr val="lt1"/>
+              </a:buClr>
+              <a:buSzPts val="2400"/>
+              <a:buFont typeface="Montserrat" panose="00000500000000000000"/>
+              <a:buNone/>
+              <a:defRPr sz="2400" b="0" i="0" u="none" strike="noStrike" cap="none">
+                <a:solidFill>
+                  <a:schemeClr val="lt1"/>
+                </a:solidFill>
+                <a:latin typeface="Montserrat" panose="00000500000000000000"/>
+                <a:ea typeface="Montserrat" panose="00000500000000000000"/>
+                <a:cs typeface="Montserrat" panose="00000500000000000000"/>
+                <a:sym typeface="Montserrat" panose="00000500000000000000"/>
+              </a:defRPr>
+            </a:lvl8pPr>
+            <a:lvl9pPr marR="0" lvl="8" algn="l" rtl="0">
+              <a:lnSpc>
+                <a:spcPct val="100000"/>
+              </a:lnSpc>
+              <a:spcBef>
+                <a:spcPts val="0"/>
+              </a:spcBef>
+              <a:spcAft>
+                <a:spcPts val="0"/>
+              </a:spcAft>
+              <a:buClr>
+                <a:schemeClr val="lt1"/>
+              </a:buClr>
+              <a:buSzPts val="2400"/>
+              <a:buFont typeface="Montserrat" panose="00000500000000000000"/>
+              <a:buNone/>
+              <a:defRPr sz="2400" b="0" i="0" u="none" strike="noStrike" cap="none">
+                <a:solidFill>
+                  <a:schemeClr val="lt1"/>
+                </a:solidFill>
+                <a:latin typeface="Montserrat" panose="00000500000000000000"/>
+                <a:ea typeface="Montserrat" panose="00000500000000000000"/>
+                <a:cs typeface="Montserrat" panose="00000500000000000000"/>
+                <a:sym typeface="Montserrat" panose="00000500000000000000"/>
+              </a:defRPr>
+            </a:lvl9pPr>
+          </a:lstStyle>
+          <a:p>
+            <a:pPr marL="457200" lvl="0" indent="-457200" algn="l" rtl="0">
+              <a:spcBef>
+                <a:spcPts val="0"/>
+              </a:spcBef>
+              <a:spcAft>
+                <a:spcPts val="0"/>
+              </a:spcAft>
+              <a:buFont typeface="Wingdings" panose="05000000000000000000" charset="0"/>
+              <a:buChar char="Ø"/>
+            </a:pPr>
+            <a:r>
+              <a:rPr lang="es-EC" altLang="es-ES"/>
+              <a:t>Angular es una gran elección para el desarrollo del FrontEnd gracias a su responsividad y su fácil producción de SPA's .</a:t>
+            </a:r>
+            <a:endParaRPr lang="es-EC" altLang="es-ES"/>
+          </a:p>
+          <a:p>
+            <a:pPr marL="457200" lvl="0" indent="-457200" algn="l" rtl="0">
+              <a:spcBef>
+                <a:spcPts val="0"/>
+              </a:spcBef>
+              <a:spcAft>
+                <a:spcPts val="0"/>
+              </a:spcAft>
+              <a:buFont typeface="Wingdings" panose="05000000000000000000" charset="0"/>
+              <a:buChar char="Ø"/>
+            </a:pPr>
+            <a:r>
+              <a:rPr lang="es-EC" altLang="es-ES"/>
+              <a:t>Java posee una amplia comunidad que brinda un constante soporte además de su sencilla implementación de frameworks como Spring.</a:t>
+            </a:r>
+            <a:endParaRPr lang="es-EC" altLang="es-ES"/>
+          </a:p>
+          <a:p>
+            <a:pPr marL="457200" lvl="0" indent="-457200" algn="l" rtl="0">
+              <a:spcBef>
+                <a:spcPts val="0"/>
+              </a:spcBef>
+              <a:spcAft>
+                <a:spcPts val="0"/>
+              </a:spcAft>
+              <a:buFont typeface="Wingdings" panose="05000000000000000000" charset="0"/>
+              <a:buChar char="Ø"/>
+            </a:pPr>
+            <a:r>
+              <a:rPr lang="es-EC" altLang="es-ES"/>
+              <a:t>Hoy en día se trata de remplazar el MVC por MVW debido a que los API REST o WebServices se los puede utilizar con varias tecnologías.</a:t>
+            </a:r>
+            <a:endParaRPr lang="es-EC" altLang="es-ES"/>
+          </a:p>
+          <a:p>
+            <a:pPr marL="457200" lvl="0" indent="-457200" algn="l" rtl="0">
+              <a:spcBef>
+                <a:spcPts val="0"/>
+              </a:spcBef>
+              <a:spcAft>
+                <a:spcPts val="0"/>
+              </a:spcAft>
+              <a:buFont typeface="Wingdings" panose="05000000000000000000" charset="0"/>
+              <a:buChar char="Ø"/>
+            </a:pPr>
+            <a:endParaRPr lang="es-EC" altLang="es-ES" sz="2800"/>
+          </a:p>
+          <a:p>
+            <a:pPr marL="0" lvl="0" indent="0" algn="l" rtl="0">
+              <a:spcBef>
+                <a:spcPts val="0"/>
+              </a:spcBef>
+              <a:spcAft>
+                <a:spcPts val="0"/>
+              </a:spcAft>
+              <a:buNone/>
+            </a:pPr>
+            <a:endParaRPr lang="es-EC" sz="2800"/>
           </a:p>
         </p:txBody>
       </p:sp>
@@ -10290,10 +13777,144 @@
       </p:transition>
     </mc:Fallback>
   </mc:AlternateContent>
+  <p:timing>
+    <p:tnLst>
+      <p:par>
+        <p:cTn id="1" dur="indefinite" restart="never" nodeType="tmRoot">
+          <p:childTnLst>
+            <p:seq concurrent="1" nextAc="seek">
+              <p:cTn id="2" dur="indefinite" nodeType="mainSeq">
+                <p:childTnLst>
+                  <p:par>
+                    <p:cTn id="3" fill="hold">
+                      <p:stCondLst>
+                        <p:cond delay="indefinite"/>
+                        <p:cond evt="onBegin" delay="0">
+                          <p:tn val="2"/>
+                        </p:cond>
+                      </p:stCondLst>
+                      <p:childTnLst>
+                        <p:par>
+                          <p:cTn id="4" fill="hold">
+                            <p:stCondLst>
+                              <p:cond delay="0"/>
+                            </p:stCondLst>
+                            <p:childTnLst>
+                              <p:par>
+                                <p:cTn id="5" presetID="22" presetClass="entr" presetSubtype="8" fill="hold" grpId="2" nodeType="withEffect">
+                                  <p:stCondLst>
+                                    <p:cond delay="0"/>
+                                  </p:stCondLst>
+                                  <p:childTnLst>
+                                    <p:set>
+                                      <p:cBhvr>
+                                        <p:cTn id="6" dur="1" fill="hold">
+                                          <p:stCondLst>
+                                            <p:cond delay="0"/>
+                                          </p:stCondLst>
+                                        </p:cTn>
+                                        <p:tgtEl>
+                                          <p:spTgt spid="156"/>
+                                        </p:tgtEl>
+                                        <p:attrNameLst>
+                                          <p:attrName>style.visibility</p:attrName>
+                                        </p:attrNameLst>
+                                      </p:cBhvr>
+                                      <p:to>
+                                        <p:strVal val="visible"/>
+                                      </p:to>
+                                    </p:set>
+                                    <p:animEffect transition="in" filter="wipe(left)">
+                                      <p:cBhvr>
+                                        <p:cTn id="7" dur="1000"/>
+                                        <p:tgtEl>
+                                          <p:spTgt spid="156"/>
+                                        </p:tgtEl>
+                                      </p:cBhvr>
+                                    </p:animEffect>
+                                  </p:childTnLst>
+                                </p:cTn>
+                              </p:par>
+                            </p:childTnLst>
+                          </p:cTn>
+                        </p:par>
+                        <p:par>
+                          <p:cTn id="8" fill="hold">
+                            <p:stCondLst>
+                              <p:cond delay="1000"/>
+                            </p:stCondLst>
+                            <p:childTnLst>
+                              <p:par>
+                                <p:cTn id="9" presetID="22" presetClass="entr" presetSubtype="8" fill="hold" grpId="3" nodeType="afterEffect">
+                                  <p:stCondLst>
+                                    <p:cond delay="0"/>
+                                  </p:stCondLst>
+                                  <p:childTnLst>
+                                    <p:set>
+                                      <p:cBhvr>
+                                        <p:cTn id="10" dur="1" fill="hold">
+                                          <p:stCondLst>
+                                            <p:cond delay="0"/>
+                                          </p:stCondLst>
+                                        </p:cTn>
+                                        <p:tgtEl>
+                                          <p:spTgt spid="4"/>
+                                        </p:tgtEl>
+                                        <p:attrNameLst>
+                                          <p:attrName>style.visibility</p:attrName>
+                                        </p:attrNameLst>
+                                      </p:cBhvr>
+                                      <p:to>
+                                        <p:strVal val="visible"/>
+                                      </p:to>
+                                    </p:set>
+                                    <p:animEffect transition="in" filter="wipe(left)">
+                                      <p:cBhvr>
+                                        <p:cTn id="11" dur="1000"/>
+                                        <p:tgtEl>
+                                          <p:spTgt spid="4"/>
+                                        </p:tgtEl>
+                                      </p:cBhvr>
+                                    </p:animEffect>
+                                  </p:childTnLst>
+                                </p:cTn>
+                              </p:par>
+                            </p:childTnLst>
+                          </p:cTn>
+                        </p:par>
+                      </p:childTnLst>
+                    </p:cTn>
+                  </p:par>
+                </p:childTnLst>
+              </p:cTn>
+              <p:prevCondLst>
+                <p:cond evt="onPrev">
+                  <p:tgtEl>
+                    <p:sldTgt/>
+                  </p:tgtEl>
+                </p:cond>
+              </p:prevCondLst>
+              <p:nextCondLst>
+                <p:cond evt="onNext">
+                  <p:tgtEl>
+                    <p:sldTgt/>
+                  </p:tgtEl>
+                </p:cond>
+              </p:nextCondLst>
+            </p:seq>
+          </p:childTnLst>
+        </p:cTn>
+      </p:par>
+    </p:tnLst>
+    <p:bldLst>
+      <p:bldP spid="156" grpId="2"/>
+      <p:bldP spid="4" grpId="3"/>
+    </p:bldLst>
+  </p:timing>
 </p:sld>
 </file>
 
-<file path=ppt/slides/slide6.xml><?xml version="1.0" encoding="utf-8"?>
+<file path=ppt/slides/slide8.xml><?xml version="1.0" encoding="utf-8"?>
 <p:sld xmlns:a="http://schemas.openxmlformats.org/drawingml/2006/main" xmlns:r="http://schemas.openxmlformats.org/officeDocument/2006/relationships" xmlns:p="http://schemas.openxmlformats.org/presentationml/2006/main">
   <p:cSld>
     <p:spTree>
@@ -10305,33 +13926,663 @@
       <p:grpSpPr/>
       <p:sp>
         <p:nvSpPr>
-          <p:cNvPr id="2" name="Título 1"/>
-          <p:cNvSpPr/>
-          <p:nvPr>
-            <p:ph type="title"/>
-          </p:nvPr>
+          <p:cNvPr id="156" name="Google Shape;156;p16"/>
+          <p:cNvSpPr txBox="1"/>
+          <p:nvPr/>
         </p:nvSpPr>
-        <p:spPr/>
+        <p:spPr>
+          <a:xfrm>
+            <a:off x="2555875" y="419100"/>
+            <a:ext cx="4173220" cy="566420"/>
+          </a:xfrm>
+          <a:prstGeom prst="rect">
+            <a:avLst/>
+          </a:prstGeom>
+          <a:noFill/>
+          <a:ln>
+            <a:noFill/>
+          </a:ln>
+        </p:spPr>
         <p:txBody>
-          <a:bodyPr/>
+          <a:bodyPr wrap="square" lIns="91425" tIns="91425" rIns="91425" bIns="91425" anchor="t" anchorCtr="0">
+            <a:noAutofit/>
+          </a:bodyPr>
+          <a:lstStyle>
+            <a:defPPr marR="0" lvl="0" algn="l" rtl="0">
+              <a:lnSpc>
+                <a:spcPct val="100000"/>
+              </a:lnSpc>
+              <a:spcBef>
+                <a:spcPts val="0"/>
+              </a:spcBef>
+              <a:spcAft>
+                <a:spcPts val="0"/>
+              </a:spcAft>
+            </a:defPPr>
+            <a:lvl1pPr marR="0" lvl="0" algn="l" rtl="0">
+              <a:lnSpc>
+                <a:spcPct val="100000"/>
+              </a:lnSpc>
+              <a:spcBef>
+                <a:spcPts val="0"/>
+              </a:spcBef>
+              <a:spcAft>
+                <a:spcPts val="0"/>
+              </a:spcAft>
+              <a:buClr>
+                <a:schemeClr val="lt1"/>
+              </a:buClr>
+              <a:buSzPts val="2400"/>
+              <a:buFont typeface="Montserrat" panose="00000500000000000000"/>
+              <a:buNone/>
+              <a:defRPr sz="2400" b="0" i="0" u="none" strike="noStrike" cap="none">
+                <a:solidFill>
+                  <a:schemeClr val="lt1"/>
+                </a:solidFill>
+                <a:latin typeface="Montserrat" panose="00000500000000000000"/>
+                <a:ea typeface="Montserrat" panose="00000500000000000000"/>
+                <a:cs typeface="Montserrat" panose="00000500000000000000"/>
+                <a:sym typeface="Montserrat" panose="00000500000000000000"/>
+              </a:defRPr>
+            </a:lvl1pPr>
+            <a:lvl2pPr marR="0" lvl="1" algn="l" rtl="0">
+              <a:lnSpc>
+                <a:spcPct val="100000"/>
+              </a:lnSpc>
+              <a:spcBef>
+                <a:spcPts val="0"/>
+              </a:spcBef>
+              <a:spcAft>
+                <a:spcPts val="0"/>
+              </a:spcAft>
+              <a:buClr>
+                <a:schemeClr val="lt1"/>
+              </a:buClr>
+              <a:buSzPts val="2400"/>
+              <a:buFont typeface="Montserrat" panose="00000500000000000000"/>
+              <a:buNone/>
+              <a:defRPr sz="2400" b="0" i="0" u="none" strike="noStrike" cap="none">
+                <a:solidFill>
+                  <a:schemeClr val="lt1"/>
+                </a:solidFill>
+                <a:latin typeface="Montserrat" panose="00000500000000000000"/>
+                <a:ea typeface="Montserrat" panose="00000500000000000000"/>
+                <a:cs typeface="Montserrat" panose="00000500000000000000"/>
+                <a:sym typeface="Montserrat" panose="00000500000000000000"/>
+              </a:defRPr>
+            </a:lvl2pPr>
+            <a:lvl3pPr marR="0" lvl="2" algn="l" rtl="0">
+              <a:lnSpc>
+                <a:spcPct val="100000"/>
+              </a:lnSpc>
+              <a:spcBef>
+                <a:spcPts val="0"/>
+              </a:spcBef>
+              <a:spcAft>
+                <a:spcPts val="0"/>
+              </a:spcAft>
+              <a:buClr>
+                <a:schemeClr val="lt1"/>
+              </a:buClr>
+              <a:buSzPts val="2400"/>
+              <a:buFont typeface="Montserrat" panose="00000500000000000000"/>
+              <a:buNone/>
+              <a:defRPr sz="2400" b="0" i="0" u="none" strike="noStrike" cap="none">
+                <a:solidFill>
+                  <a:schemeClr val="lt1"/>
+                </a:solidFill>
+                <a:latin typeface="Montserrat" panose="00000500000000000000"/>
+                <a:ea typeface="Montserrat" panose="00000500000000000000"/>
+                <a:cs typeface="Montserrat" panose="00000500000000000000"/>
+                <a:sym typeface="Montserrat" panose="00000500000000000000"/>
+              </a:defRPr>
+            </a:lvl3pPr>
+            <a:lvl4pPr marR="0" lvl="3" algn="l" rtl="0">
+              <a:lnSpc>
+                <a:spcPct val="100000"/>
+              </a:lnSpc>
+              <a:spcBef>
+                <a:spcPts val="0"/>
+              </a:spcBef>
+              <a:spcAft>
+                <a:spcPts val="0"/>
+              </a:spcAft>
+              <a:buClr>
+                <a:schemeClr val="lt1"/>
+              </a:buClr>
+              <a:buSzPts val="2400"/>
+              <a:buFont typeface="Montserrat" panose="00000500000000000000"/>
+              <a:buNone/>
+              <a:defRPr sz="2400" b="0" i="0" u="none" strike="noStrike" cap="none">
+                <a:solidFill>
+                  <a:schemeClr val="lt1"/>
+                </a:solidFill>
+                <a:latin typeface="Montserrat" panose="00000500000000000000"/>
+                <a:ea typeface="Montserrat" panose="00000500000000000000"/>
+                <a:cs typeface="Montserrat" panose="00000500000000000000"/>
+                <a:sym typeface="Montserrat" panose="00000500000000000000"/>
+              </a:defRPr>
+            </a:lvl4pPr>
+            <a:lvl5pPr marR="0" lvl="4" algn="l" rtl="0">
+              <a:lnSpc>
+                <a:spcPct val="100000"/>
+              </a:lnSpc>
+              <a:spcBef>
+                <a:spcPts val="0"/>
+              </a:spcBef>
+              <a:spcAft>
+                <a:spcPts val="0"/>
+              </a:spcAft>
+              <a:buClr>
+                <a:schemeClr val="lt1"/>
+              </a:buClr>
+              <a:buSzPts val="2400"/>
+              <a:buFont typeface="Montserrat" panose="00000500000000000000"/>
+              <a:buNone/>
+              <a:defRPr sz="2400" b="0" i="0" u="none" strike="noStrike" cap="none">
+                <a:solidFill>
+                  <a:schemeClr val="lt1"/>
+                </a:solidFill>
+                <a:latin typeface="Montserrat" panose="00000500000000000000"/>
+                <a:ea typeface="Montserrat" panose="00000500000000000000"/>
+                <a:cs typeface="Montserrat" panose="00000500000000000000"/>
+                <a:sym typeface="Montserrat" panose="00000500000000000000"/>
+              </a:defRPr>
+            </a:lvl5pPr>
+            <a:lvl6pPr marR="0" lvl="5" algn="l" rtl="0">
+              <a:lnSpc>
+                <a:spcPct val="100000"/>
+              </a:lnSpc>
+              <a:spcBef>
+                <a:spcPts val="0"/>
+              </a:spcBef>
+              <a:spcAft>
+                <a:spcPts val="0"/>
+              </a:spcAft>
+              <a:buClr>
+                <a:schemeClr val="lt1"/>
+              </a:buClr>
+              <a:buSzPts val="2400"/>
+              <a:buFont typeface="Montserrat" panose="00000500000000000000"/>
+              <a:buNone/>
+              <a:defRPr sz="2400" b="0" i="0" u="none" strike="noStrike" cap="none">
+                <a:solidFill>
+                  <a:schemeClr val="lt1"/>
+                </a:solidFill>
+                <a:latin typeface="Montserrat" panose="00000500000000000000"/>
+                <a:ea typeface="Montserrat" panose="00000500000000000000"/>
+                <a:cs typeface="Montserrat" panose="00000500000000000000"/>
+                <a:sym typeface="Montserrat" panose="00000500000000000000"/>
+              </a:defRPr>
+            </a:lvl6pPr>
+            <a:lvl7pPr marR="0" lvl="6" algn="l" rtl="0">
+              <a:lnSpc>
+                <a:spcPct val="100000"/>
+              </a:lnSpc>
+              <a:spcBef>
+                <a:spcPts val="0"/>
+              </a:spcBef>
+              <a:spcAft>
+                <a:spcPts val="0"/>
+              </a:spcAft>
+              <a:buClr>
+                <a:schemeClr val="lt1"/>
+              </a:buClr>
+              <a:buSzPts val="2400"/>
+              <a:buFont typeface="Montserrat" panose="00000500000000000000"/>
+              <a:buNone/>
+              <a:defRPr sz="2400" b="0" i="0" u="none" strike="noStrike" cap="none">
+                <a:solidFill>
+                  <a:schemeClr val="lt1"/>
+                </a:solidFill>
+                <a:latin typeface="Montserrat" panose="00000500000000000000"/>
+                <a:ea typeface="Montserrat" panose="00000500000000000000"/>
+                <a:cs typeface="Montserrat" panose="00000500000000000000"/>
+                <a:sym typeface="Montserrat" panose="00000500000000000000"/>
+              </a:defRPr>
+            </a:lvl7pPr>
+            <a:lvl8pPr marR="0" lvl="7" algn="l" rtl="0">
+              <a:lnSpc>
+                <a:spcPct val="100000"/>
+              </a:lnSpc>
+              <a:spcBef>
+                <a:spcPts val="0"/>
+              </a:spcBef>
+              <a:spcAft>
+                <a:spcPts val="0"/>
+              </a:spcAft>
+              <a:buClr>
+                <a:schemeClr val="lt1"/>
+              </a:buClr>
+              <a:buSzPts val="2400"/>
+              <a:buFont typeface="Montserrat" panose="00000500000000000000"/>
+              <a:buNone/>
+              <a:defRPr sz="2400" b="0" i="0" u="none" strike="noStrike" cap="none">
+                <a:solidFill>
+                  <a:schemeClr val="lt1"/>
+                </a:solidFill>
+                <a:latin typeface="Montserrat" panose="00000500000000000000"/>
+                <a:ea typeface="Montserrat" panose="00000500000000000000"/>
+                <a:cs typeface="Montserrat" panose="00000500000000000000"/>
+                <a:sym typeface="Montserrat" panose="00000500000000000000"/>
+              </a:defRPr>
+            </a:lvl8pPr>
+            <a:lvl9pPr marR="0" lvl="8" algn="l" rtl="0">
+              <a:lnSpc>
+                <a:spcPct val="100000"/>
+              </a:lnSpc>
+              <a:spcBef>
+                <a:spcPts val="0"/>
+              </a:spcBef>
+              <a:spcAft>
+                <a:spcPts val="0"/>
+              </a:spcAft>
+              <a:buClr>
+                <a:schemeClr val="lt1"/>
+              </a:buClr>
+              <a:buSzPts val="2400"/>
+              <a:buFont typeface="Montserrat" panose="00000500000000000000"/>
+              <a:buNone/>
+              <a:defRPr sz="2400" b="0" i="0" u="none" strike="noStrike" cap="none">
+                <a:solidFill>
+                  <a:schemeClr val="lt1"/>
+                </a:solidFill>
+                <a:latin typeface="Montserrat" panose="00000500000000000000"/>
+                <a:ea typeface="Montserrat" panose="00000500000000000000"/>
+                <a:cs typeface="Montserrat" panose="00000500000000000000"/>
+                <a:sym typeface="Montserrat" panose="00000500000000000000"/>
+              </a:defRPr>
+            </a:lvl9pPr>
+          </a:lstStyle>
           <a:p>
-            <a:endParaRPr lang="es-ES" altLang="en-US"/>
+            <a:pPr marL="0" lvl="0" indent="0" algn="l" rtl="0">
+              <a:spcBef>
+                <a:spcPts val="0"/>
+              </a:spcBef>
+              <a:spcAft>
+                <a:spcPts val="0"/>
+              </a:spcAft>
+              <a:buNone/>
+            </a:pPr>
+            <a:r>
+              <a:rPr lang="es-EC" altLang="es-ES" sz="3200">
+                <a:sym typeface="+mn-ea"/>
+              </a:rPr>
+              <a:t>Recomendaciones</a:t>
+            </a:r>
+            <a:endParaRPr lang="es-EC" altLang="es-ES" sz="2800"/>
+          </a:p>
+          <a:p>
+            <a:pPr marL="0" lvl="0" indent="0" algn="l" rtl="0">
+              <a:spcBef>
+                <a:spcPts val="0"/>
+              </a:spcBef>
+              <a:spcAft>
+                <a:spcPts val="0"/>
+              </a:spcAft>
+              <a:buNone/>
+            </a:pPr>
+            <a:endParaRPr lang="es-EC" sz="2800"/>
           </a:p>
         </p:txBody>
       </p:sp>
       <p:sp>
         <p:nvSpPr>
-          <p:cNvPr id="3" name="Marcador de posición de texto 2"/>
-          <p:cNvSpPr/>
-          <p:nvPr>
-            <p:ph type="body" idx="1"/>
-          </p:nvPr>
+          <p:cNvPr id="6" name="Google Shape;156;p16"/>
+          <p:cNvSpPr txBox="1"/>
+          <p:nvPr/>
         </p:nvSpPr>
-        <p:spPr/>
+        <p:spPr>
+          <a:xfrm>
+            <a:off x="944880" y="1104900"/>
+            <a:ext cx="7507605" cy="3838575"/>
+          </a:xfrm>
+          <a:prstGeom prst="rect">
+            <a:avLst/>
+          </a:prstGeom>
+          <a:noFill/>
+          <a:ln>
+            <a:noFill/>
+          </a:ln>
+        </p:spPr>
         <p:txBody>
-          <a:bodyPr/>
+          <a:bodyPr wrap="square" lIns="91425" tIns="91425" rIns="91425" bIns="91425" anchor="t" anchorCtr="0">
+            <a:noAutofit/>
+          </a:bodyPr>
+          <a:lstStyle>
+            <a:defPPr marR="0" lvl="0" algn="l" rtl="0">
+              <a:lnSpc>
+                <a:spcPct val="100000"/>
+              </a:lnSpc>
+              <a:spcBef>
+                <a:spcPts val="0"/>
+              </a:spcBef>
+              <a:spcAft>
+                <a:spcPts val="0"/>
+              </a:spcAft>
+            </a:defPPr>
+            <a:lvl1pPr marR="0" lvl="0" algn="l" rtl="0">
+              <a:lnSpc>
+                <a:spcPct val="100000"/>
+              </a:lnSpc>
+              <a:spcBef>
+                <a:spcPts val="0"/>
+              </a:spcBef>
+              <a:spcAft>
+                <a:spcPts val="0"/>
+              </a:spcAft>
+              <a:buClr>
+                <a:schemeClr val="lt1"/>
+              </a:buClr>
+              <a:buSzPts val="2400"/>
+              <a:buFont typeface="Montserrat" panose="00000500000000000000"/>
+              <a:buNone/>
+              <a:defRPr sz="2400" b="0" i="0" u="none" strike="noStrike" cap="none">
+                <a:solidFill>
+                  <a:schemeClr val="lt1"/>
+                </a:solidFill>
+                <a:latin typeface="Montserrat" panose="00000500000000000000"/>
+                <a:ea typeface="Montserrat" panose="00000500000000000000"/>
+                <a:cs typeface="Montserrat" panose="00000500000000000000"/>
+                <a:sym typeface="Montserrat" panose="00000500000000000000"/>
+              </a:defRPr>
+            </a:lvl1pPr>
+            <a:lvl2pPr marR="0" lvl="1" algn="l" rtl="0">
+              <a:lnSpc>
+                <a:spcPct val="100000"/>
+              </a:lnSpc>
+              <a:spcBef>
+                <a:spcPts val="0"/>
+              </a:spcBef>
+              <a:spcAft>
+                <a:spcPts val="0"/>
+              </a:spcAft>
+              <a:buClr>
+                <a:schemeClr val="lt1"/>
+              </a:buClr>
+              <a:buSzPts val="2400"/>
+              <a:buFont typeface="Montserrat" panose="00000500000000000000"/>
+              <a:buNone/>
+              <a:defRPr sz="2400" b="0" i="0" u="none" strike="noStrike" cap="none">
+                <a:solidFill>
+                  <a:schemeClr val="lt1"/>
+                </a:solidFill>
+                <a:latin typeface="Montserrat" panose="00000500000000000000"/>
+                <a:ea typeface="Montserrat" panose="00000500000000000000"/>
+                <a:cs typeface="Montserrat" panose="00000500000000000000"/>
+                <a:sym typeface="Montserrat" panose="00000500000000000000"/>
+              </a:defRPr>
+            </a:lvl2pPr>
+            <a:lvl3pPr marR="0" lvl="2" algn="l" rtl="0">
+              <a:lnSpc>
+                <a:spcPct val="100000"/>
+              </a:lnSpc>
+              <a:spcBef>
+                <a:spcPts val="0"/>
+              </a:spcBef>
+              <a:spcAft>
+                <a:spcPts val="0"/>
+              </a:spcAft>
+              <a:buClr>
+                <a:schemeClr val="lt1"/>
+              </a:buClr>
+              <a:buSzPts val="2400"/>
+              <a:buFont typeface="Montserrat" panose="00000500000000000000"/>
+              <a:buNone/>
+              <a:defRPr sz="2400" b="0" i="0" u="none" strike="noStrike" cap="none">
+                <a:solidFill>
+                  <a:schemeClr val="lt1"/>
+                </a:solidFill>
+                <a:latin typeface="Montserrat" panose="00000500000000000000"/>
+                <a:ea typeface="Montserrat" panose="00000500000000000000"/>
+                <a:cs typeface="Montserrat" panose="00000500000000000000"/>
+                <a:sym typeface="Montserrat" panose="00000500000000000000"/>
+              </a:defRPr>
+            </a:lvl3pPr>
+            <a:lvl4pPr marR="0" lvl="3" algn="l" rtl="0">
+              <a:lnSpc>
+                <a:spcPct val="100000"/>
+              </a:lnSpc>
+              <a:spcBef>
+                <a:spcPts val="0"/>
+              </a:spcBef>
+              <a:spcAft>
+                <a:spcPts val="0"/>
+              </a:spcAft>
+              <a:buClr>
+                <a:schemeClr val="lt1"/>
+              </a:buClr>
+              <a:buSzPts val="2400"/>
+              <a:buFont typeface="Montserrat" panose="00000500000000000000"/>
+              <a:buNone/>
+              <a:defRPr sz="2400" b="0" i="0" u="none" strike="noStrike" cap="none">
+                <a:solidFill>
+                  <a:schemeClr val="lt1"/>
+                </a:solidFill>
+                <a:latin typeface="Montserrat" panose="00000500000000000000"/>
+                <a:ea typeface="Montserrat" panose="00000500000000000000"/>
+                <a:cs typeface="Montserrat" panose="00000500000000000000"/>
+                <a:sym typeface="Montserrat" panose="00000500000000000000"/>
+              </a:defRPr>
+            </a:lvl4pPr>
+            <a:lvl5pPr marR="0" lvl="4" algn="l" rtl="0">
+              <a:lnSpc>
+                <a:spcPct val="100000"/>
+              </a:lnSpc>
+              <a:spcBef>
+                <a:spcPts val="0"/>
+              </a:spcBef>
+              <a:spcAft>
+                <a:spcPts val="0"/>
+              </a:spcAft>
+              <a:buClr>
+                <a:schemeClr val="lt1"/>
+              </a:buClr>
+              <a:buSzPts val="2400"/>
+              <a:buFont typeface="Montserrat" panose="00000500000000000000"/>
+              <a:buNone/>
+              <a:defRPr sz="2400" b="0" i="0" u="none" strike="noStrike" cap="none">
+                <a:solidFill>
+                  <a:schemeClr val="lt1"/>
+                </a:solidFill>
+                <a:latin typeface="Montserrat" panose="00000500000000000000"/>
+                <a:ea typeface="Montserrat" panose="00000500000000000000"/>
+                <a:cs typeface="Montserrat" panose="00000500000000000000"/>
+                <a:sym typeface="Montserrat" panose="00000500000000000000"/>
+              </a:defRPr>
+            </a:lvl5pPr>
+            <a:lvl6pPr marR="0" lvl="5" algn="l" rtl="0">
+              <a:lnSpc>
+                <a:spcPct val="100000"/>
+              </a:lnSpc>
+              <a:spcBef>
+                <a:spcPts val="0"/>
+              </a:spcBef>
+              <a:spcAft>
+                <a:spcPts val="0"/>
+              </a:spcAft>
+              <a:buClr>
+                <a:schemeClr val="lt1"/>
+              </a:buClr>
+              <a:buSzPts val="2400"/>
+              <a:buFont typeface="Montserrat" panose="00000500000000000000"/>
+              <a:buNone/>
+              <a:defRPr sz="2400" b="0" i="0" u="none" strike="noStrike" cap="none">
+                <a:solidFill>
+                  <a:schemeClr val="lt1"/>
+                </a:solidFill>
+                <a:latin typeface="Montserrat" panose="00000500000000000000"/>
+                <a:ea typeface="Montserrat" panose="00000500000000000000"/>
+                <a:cs typeface="Montserrat" panose="00000500000000000000"/>
+                <a:sym typeface="Montserrat" panose="00000500000000000000"/>
+              </a:defRPr>
+            </a:lvl6pPr>
+            <a:lvl7pPr marR="0" lvl="6" algn="l" rtl="0">
+              <a:lnSpc>
+                <a:spcPct val="100000"/>
+              </a:lnSpc>
+              <a:spcBef>
+                <a:spcPts val="0"/>
+              </a:spcBef>
+              <a:spcAft>
+                <a:spcPts val="0"/>
+              </a:spcAft>
+              <a:buClr>
+                <a:schemeClr val="lt1"/>
+              </a:buClr>
+              <a:buSzPts val="2400"/>
+              <a:buFont typeface="Montserrat" panose="00000500000000000000"/>
+              <a:buNone/>
+              <a:defRPr sz="2400" b="0" i="0" u="none" strike="noStrike" cap="none">
+                <a:solidFill>
+                  <a:schemeClr val="lt1"/>
+                </a:solidFill>
+                <a:latin typeface="Montserrat" panose="00000500000000000000"/>
+                <a:ea typeface="Montserrat" panose="00000500000000000000"/>
+                <a:cs typeface="Montserrat" panose="00000500000000000000"/>
+                <a:sym typeface="Montserrat" panose="00000500000000000000"/>
+              </a:defRPr>
+            </a:lvl7pPr>
+            <a:lvl8pPr marR="0" lvl="7" algn="l" rtl="0">
+              <a:lnSpc>
+                <a:spcPct val="100000"/>
+              </a:lnSpc>
+              <a:spcBef>
+                <a:spcPts val="0"/>
+              </a:spcBef>
+              <a:spcAft>
+                <a:spcPts val="0"/>
+              </a:spcAft>
+              <a:buClr>
+                <a:schemeClr val="lt1"/>
+              </a:buClr>
+              <a:buSzPts val="2400"/>
+              <a:buFont typeface="Montserrat" panose="00000500000000000000"/>
+              <a:buNone/>
+              <a:defRPr sz="2400" b="0" i="0" u="none" strike="noStrike" cap="none">
+                <a:solidFill>
+                  <a:schemeClr val="lt1"/>
+                </a:solidFill>
+                <a:latin typeface="Montserrat" panose="00000500000000000000"/>
+                <a:ea typeface="Montserrat" panose="00000500000000000000"/>
+                <a:cs typeface="Montserrat" panose="00000500000000000000"/>
+                <a:sym typeface="Montserrat" panose="00000500000000000000"/>
+              </a:defRPr>
+            </a:lvl8pPr>
+            <a:lvl9pPr marR="0" lvl="8" algn="l" rtl="0">
+              <a:lnSpc>
+                <a:spcPct val="100000"/>
+              </a:lnSpc>
+              <a:spcBef>
+                <a:spcPts val="0"/>
+              </a:spcBef>
+              <a:spcAft>
+                <a:spcPts val="0"/>
+              </a:spcAft>
+              <a:buClr>
+                <a:schemeClr val="lt1"/>
+              </a:buClr>
+              <a:buSzPts val="2400"/>
+              <a:buFont typeface="Montserrat" panose="00000500000000000000"/>
+              <a:buNone/>
+              <a:defRPr sz="2400" b="0" i="0" u="none" strike="noStrike" cap="none">
+                <a:solidFill>
+                  <a:schemeClr val="lt1"/>
+                </a:solidFill>
+                <a:latin typeface="Montserrat" panose="00000500000000000000"/>
+                <a:ea typeface="Montserrat" panose="00000500000000000000"/>
+                <a:cs typeface="Montserrat" panose="00000500000000000000"/>
+                <a:sym typeface="Montserrat" panose="00000500000000000000"/>
+              </a:defRPr>
+            </a:lvl9pPr>
+          </a:lstStyle>
           <a:p>
-            <a:endParaRPr lang="es-ES" altLang="en-US"/>
+            <a:pPr marL="457200" lvl="0" indent="-313055" algn="l" rtl="0" eaLnBrk="1" fontAlgn="auto" latinLnBrk="0" hangingPunct="1">
+              <a:spcBef>
+                <a:spcPts val="0"/>
+              </a:spcBef>
+              <a:spcAft>
+                <a:spcPts val="0"/>
+              </a:spcAft>
+              <a:buFont typeface="Wingdings" panose="05000000000000000000" charset="0"/>
+              <a:buChar char="Ø"/>
+            </a:pPr>
+            <a:r>
+              <a:rPr lang="es-EC" altLang="es-ES"/>
+              <a:t>Utilizar Angular para facilitar la creación de una página web responsive y amigable para el usuario.</a:t>
+            </a:r>
+            <a:endParaRPr lang="es-EC" altLang="es-ES"/>
+          </a:p>
+          <a:p>
+            <a:pPr marL="457200" lvl="0" indent="-313055" algn="l" rtl="0" eaLnBrk="1" fontAlgn="auto" latinLnBrk="0" hangingPunct="1">
+              <a:spcBef>
+                <a:spcPts val="0"/>
+              </a:spcBef>
+              <a:spcAft>
+                <a:spcPts val="0"/>
+              </a:spcAft>
+              <a:buFont typeface="Wingdings" panose="05000000000000000000" charset="0"/>
+              <a:buChar char="Ø"/>
+            </a:pPr>
+            <a:r>
+              <a:rPr lang="es-EC" altLang="es-ES"/>
+              <a:t>Se recomienda enseñar frameworks como Spring o Hibernate para agilizar la programación.</a:t>
+            </a:r>
+            <a:endParaRPr lang="es-EC" altLang="es-ES"/>
+          </a:p>
+          <a:p>
+            <a:pPr marL="457200" lvl="0" indent="-313055" algn="l" rtl="0" eaLnBrk="1" fontAlgn="auto" latinLnBrk="0" hangingPunct="1">
+              <a:spcBef>
+                <a:spcPts val="0"/>
+              </a:spcBef>
+              <a:spcAft>
+                <a:spcPts val="0"/>
+              </a:spcAft>
+              <a:buFont typeface="Wingdings" panose="05000000000000000000" charset="0"/>
+              <a:buChar char="Ø"/>
+            </a:pPr>
+            <a:r>
+              <a:rPr lang="es-EC" altLang="es-ES"/>
+              <a:t>Usar Java para crear un API REST compatible con cualquier sistema operativo y funcionar con cualquier FrontEnd.</a:t>
+            </a:r>
+            <a:endParaRPr lang="es-EC" altLang="es-ES"/>
+          </a:p>
+          <a:p>
+            <a:pPr marL="0" lvl="0" indent="0" algn="l" rtl="0">
+              <a:spcBef>
+                <a:spcPts val="0"/>
+              </a:spcBef>
+              <a:spcAft>
+                <a:spcPts val="0"/>
+              </a:spcAft>
+              <a:buFont typeface="Wingdings" panose="05000000000000000000" charset="0"/>
+            </a:pPr>
+            <a:endParaRPr lang="es-EC" altLang="es-ES"/>
+          </a:p>
+          <a:p>
+            <a:pPr marL="457200" lvl="0" indent="-457200" algn="l" rtl="0">
+              <a:spcBef>
+                <a:spcPts val="0"/>
+              </a:spcBef>
+              <a:spcAft>
+                <a:spcPts val="0"/>
+              </a:spcAft>
+              <a:buFont typeface="Wingdings" panose="05000000000000000000" charset="0"/>
+              <a:buChar char="Ø"/>
+            </a:pPr>
+            <a:endParaRPr lang="es-EC" altLang="es-ES" sz="2800"/>
+          </a:p>
+          <a:p>
+            <a:pPr marL="0" lvl="0" indent="0" algn="l" rtl="0">
+              <a:spcBef>
+                <a:spcPts val="0"/>
+              </a:spcBef>
+              <a:spcAft>
+                <a:spcPts val="0"/>
+              </a:spcAft>
+              <a:buNone/>
+            </a:pPr>
+            <a:endParaRPr lang="es-EC" sz="2800"/>
           </a:p>
         </p:txBody>
       </p:sp>
@@ -10352,6 +14603,140 @@
       </p:transition>
     </mc:Fallback>
   </mc:AlternateContent>
+  <p:timing>
+    <p:tnLst>
+      <p:par>
+        <p:cTn id="1" dur="indefinite" restart="never" nodeType="tmRoot">
+          <p:childTnLst>
+            <p:seq concurrent="1" nextAc="seek">
+              <p:cTn id="2" dur="indefinite" nodeType="mainSeq">
+                <p:childTnLst>
+                  <p:par>
+                    <p:cTn id="3" fill="hold">
+                      <p:stCondLst>
+                        <p:cond delay="indefinite"/>
+                        <p:cond evt="onBegin" delay="0">
+                          <p:tn val="2"/>
+                        </p:cond>
+                      </p:stCondLst>
+                      <p:childTnLst>
+                        <p:par>
+                          <p:cTn id="4" fill="hold">
+                            <p:stCondLst>
+                              <p:cond delay="0"/>
+                            </p:stCondLst>
+                            <p:childTnLst>
+                              <p:par>
+                                <p:cTn id="5" presetID="22" presetClass="entr" presetSubtype="8" fill="hold" grpId="2" nodeType="withEffect">
+                                  <p:stCondLst>
+                                    <p:cond delay="0"/>
+                                  </p:stCondLst>
+                                  <p:childTnLst>
+                                    <p:set>
+                                      <p:cBhvr>
+                                        <p:cTn id="6" dur="1" fill="hold">
+                                          <p:stCondLst>
+                                            <p:cond delay="0"/>
+                                          </p:stCondLst>
+                                        </p:cTn>
+                                        <p:tgtEl>
+                                          <p:spTgt spid="156"/>
+                                        </p:tgtEl>
+                                        <p:attrNameLst>
+                                          <p:attrName>style.visibility</p:attrName>
+                                        </p:attrNameLst>
+                                      </p:cBhvr>
+                                      <p:to>
+                                        <p:strVal val="visible"/>
+                                      </p:to>
+                                    </p:set>
+                                    <p:animEffect transition="in" filter="wipe(left)">
+                                      <p:cBhvr>
+                                        <p:cTn id="7" dur="1000"/>
+                                        <p:tgtEl>
+                                          <p:spTgt spid="156"/>
+                                        </p:tgtEl>
+                                      </p:cBhvr>
+                                    </p:animEffect>
+                                  </p:childTnLst>
+                                </p:cTn>
+                              </p:par>
+                            </p:childTnLst>
+                          </p:cTn>
+                        </p:par>
+                        <p:par>
+                          <p:cTn id="8" fill="hold">
+                            <p:stCondLst>
+                              <p:cond delay="1000"/>
+                            </p:stCondLst>
+                            <p:childTnLst>
+                              <p:par>
+                                <p:cTn id="9" presetID="22" presetClass="entr" presetSubtype="8" fill="hold" grpId="3" nodeType="afterEffect">
+                                  <p:stCondLst>
+                                    <p:cond delay="0"/>
+                                  </p:stCondLst>
+                                  <p:childTnLst>
+                                    <p:set>
+                                      <p:cBhvr>
+                                        <p:cTn id="10" dur="1" fill="hold">
+                                          <p:stCondLst>
+                                            <p:cond delay="0"/>
+                                          </p:stCondLst>
+                                        </p:cTn>
+                                        <p:tgtEl>
+                                          <p:spTgt spid="6"/>
+                                        </p:tgtEl>
+                                        <p:attrNameLst>
+                                          <p:attrName>style.visibility</p:attrName>
+                                        </p:attrNameLst>
+                                      </p:cBhvr>
+                                      <p:to>
+                                        <p:strVal val="visible"/>
+                                      </p:to>
+                                    </p:set>
+                                    <p:animEffect transition="in" filter="wipe(left)">
+                                      <p:cBhvr>
+                                        <p:cTn id="11" dur="1000"/>
+                                        <p:tgtEl>
+                                          <p:spTgt spid="6"/>
+                                        </p:tgtEl>
+                                      </p:cBhvr>
+                                    </p:animEffect>
+                                  </p:childTnLst>
+                                </p:cTn>
+                              </p:par>
+                            </p:childTnLst>
+                          </p:cTn>
+                        </p:par>
+                      </p:childTnLst>
+                    </p:cTn>
+                  </p:par>
+                </p:childTnLst>
+              </p:cTn>
+              <p:prevCondLst>
+                <p:cond evt="onPrev">
+                  <p:tgtEl>
+                    <p:sldTgt/>
+                  </p:tgtEl>
+                </p:cond>
+              </p:prevCondLst>
+              <p:nextCondLst>
+                <p:cond evt="onNext">
+                  <p:tgtEl>
+                    <p:sldTgt/>
+                  </p:tgtEl>
+                </p:cond>
+              </p:nextCondLst>
+            </p:seq>
+          </p:childTnLst>
+        </p:cTn>
+      </p:par>
+    </p:tnLst>
+    <p:bldLst>
+      <p:bldP spid="156" grpId="2"/>
+      <p:bldP spid="6" grpId="3"/>
+    </p:bldLst>
+  </p:timing>
 </p:sld>
 </file>
 
